--- a/Presentation/presentatie.pptx
+++ b/Presentation/presentatie.pptx
@@ -124,24 +124,13 @@
 
 <file path=ppt/charts/chart1.xml><?xml version="1.0" encoding="utf-8"?>
 <c:chartSpace xmlns:c="http://schemas.openxmlformats.org/drawingml/2006/chart" xmlns:a="http://schemas.openxmlformats.org/drawingml/2006/main" xmlns:r="http://schemas.openxmlformats.org/officeDocument/2006/relationships">
-  <c:date1904 val="0"/>
   <c:lang val="nl-NL"/>
-  <c:roundedCorners val="0"/>
-  <mc:AlternateContent xmlns:mc="http://schemas.openxmlformats.org/markup-compatibility/2006">
-    <mc:Choice xmlns:c14="http://schemas.microsoft.com/office/drawing/2007/8/2/chart" Requires="c14">
-      <c14:style val="102"/>
-    </mc:Choice>
-    <mc:Fallback>
-      <c:style val="2"/>
-    </mc:Fallback>
-  </mc:AlternateContent>
   <c:chart>
     <c:autoTitleDeleted val="1"/>
     <c:plotArea>
       <c:layout/>
       <c:scatterChart>
         <c:scatterStyle val="lineMarker"/>
-        <c:varyColors val="0"/>
         <c:ser>
           <c:idx val="1"/>
           <c:order val="0"/>
@@ -363,7 +352,6 @@
               </c:numCache>
             </c:numRef>
           </c:yVal>
-          <c:smooth val="0"/>
         </c:ser>
         <c:ser>
           <c:idx val="2"/>
@@ -595,25 +583,16 @@
               </c:numCache>
             </c:numRef>
           </c:yVal>
-          <c:smooth val="0"/>
         </c:ser>
-        <c:dLbls>
-          <c:showLegendKey val="0"/>
-          <c:showVal val="0"/>
-          <c:showCatName val="0"/>
-          <c:showSerName val="0"/>
-          <c:showPercent val="0"/>
-          <c:showBubbleSize val="0"/>
-        </c:dLbls>
-        <c:axId val="77004096"/>
-        <c:axId val="84664320"/>
+        <c:dLbls/>
+        <c:axId val="45731200"/>
+        <c:axId val="63585664"/>
       </c:scatterChart>
       <c:valAx>
-        <c:axId val="77004096"/>
+        <c:axId val="45731200"/>
         <c:scaling>
           <c:orientation val="minMax"/>
         </c:scaling>
-        <c:delete val="0"/>
         <c:axPos val="b"/>
         <c:title>
           <c:tx>
@@ -632,23 +611,19 @@
             </c:rich>
           </c:tx>
           <c:layout/>
-          <c:overlay val="0"/>
         </c:title>
         <c:numFmt formatCode="General" sourceLinked="1"/>
-        <c:majorTickMark val="out"/>
-        <c:minorTickMark val="none"/>
         <c:tickLblPos val="nextTo"/>
-        <c:crossAx val="84664320"/>
+        <c:crossAx val="63585664"/>
         <c:crosses val="autoZero"/>
         <c:crossBetween val="midCat"/>
       </c:valAx>
       <c:valAx>
-        <c:axId val="84664320"/>
+        <c:axId val="63585664"/>
         <c:scaling>
           <c:logBase val="10"/>
           <c:orientation val="minMax"/>
         </c:scaling>
-        <c:delete val="0"/>
         <c:axPos val="l"/>
         <c:majorGridlines/>
         <c:title>
@@ -678,13 +653,10 @@
             </c:rich>
           </c:tx>
           <c:layout/>
-          <c:overlay val="0"/>
         </c:title>
         <c:numFmt formatCode="0.E+00" sourceLinked="0"/>
-        <c:majorTickMark val="out"/>
-        <c:minorTickMark val="none"/>
         <c:tickLblPos val="nextTo"/>
-        <c:crossAx val="77004096"/>
+        <c:crossAx val="45731200"/>
         <c:crosses val="autoZero"/>
         <c:crossBetween val="midCat"/>
       </c:valAx>
@@ -696,34 +668,20 @@
     </c:legend>
     <c:plotVisOnly val="1"/>
     <c:dispBlanksAs val="gap"/>
-    <c:showDLblsOverMax val="0"/>
   </c:chart>
-  <c:externalData r:id="rId1">
-    <c:autoUpdate val="0"/>
-  </c:externalData>
+  <c:externalData r:id="rId1"/>
 </c:chartSpace>
 </file>
 
 <file path=ppt/charts/chart2.xml><?xml version="1.0" encoding="utf-8"?>
 <c:chartSpace xmlns:c="http://schemas.openxmlformats.org/drawingml/2006/chart" xmlns:a="http://schemas.openxmlformats.org/drawingml/2006/main" xmlns:r="http://schemas.openxmlformats.org/officeDocument/2006/relationships">
-  <c:date1904 val="0"/>
   <c:lang val="nl-NL"/>
-  <c:roundedCorners val="0"/>
-  <mc:AlternateContent xmlns:mc="http://schemas.openxmlformats.org/markup-compatibility/2006">
-    <mc:Choice xmlns:c14="http://schemas.microsoft.com/office/drawing/2007/8/2/chart" Requires="c14">
-      <c14:style val="102"/>
-    </mc:Choice>
-    <mc:Fallback>
-      <c:style val="2"/>
-    </mc:Fallback>
-  </mc:AlternateContent>
   <c:chart>
     <c:autoTitleDeleted val="1"/>
     <c:plotArea>
       <c:layout/>
       <c:scatterChart>
         <c:scatterStyle val="lineMarker"/>
-        <c:varyColors val="0"/>
         <c:ser>
           <c:idx val="0"/>
           <c:order val="0"/>
@@ -945,7 +903,6 @@
               </c:numCache>
             </c:numRef>
           </c:yVal>
-          <c:smooth val="0"/>
         </c:ser>
         <c:ser>
           <c:idx val="1"/>
@@ -1168,7 +1125,6 @@
               </c:numCache>
             </c:numRef>
           </c:yVal>
-          <c:smooth val="0"/>
         </c:ser>
         <c:ser>
           <c:idx val="2"/>
@@ -1400,7 +1356,6 @@
               </c:numCache>
             </c:numRef>
           </c:yVal>
-          <c:smooth val="0"/>
         </c:ser>
         <c:ser>
           <c:idx val="3"/>
@@ -1632,25 +1587,16 @@
               </c:numCache>
             </c:numRef>
           </c:yVal>
-          <c:smooth val="0"/>
         </c:ser>
-        <c:dLbls>
-          <c:showLegendKey val="0"/>
-          <c:showVal val="0"/>
-          <c:showCatName val="0"/>
-          <c:showSerName val="0"/>
-          <c:showPercent val="0"/>
-          <c:showBubbleSize val="0"/>
-        </c:dLbls>
-        <c:axId val="77001792"/>
-        <c:axId val="77002368"/>
+        <c:dLbls/>
+        <c:axId val="69508096"/>
+        <c:axId val="69559424"/>
       </c:scatterChart>
       <c:valAx>
-        <c:axId val="77001792"/>
+        <c:axId val="69508096"/>
         <c:scaling>
           <c:orientation val="minMax"/>
         </c:scaling>
-        <c:delete val="0"/>
         <c:axPos val="b"/>
         <c:title>
           <c:tx>
@@ -1669,23 +1615,19 @@
             </c:rich>
           </c:tx>
           <c:layout/>
-          <c:overlay val="0"/>
         </c:title>
         <c:numFmt formatCode="General" sourceLinked="1"/>
-        <c:majorTickMark val="out"/>
-        <c:minorTickMark val="none"/>
         <c:tickLblPos val="nextTo"/>
-        <c:crossAx val="77002368"/>
+        <c:crossAx val="69559424"/>
         <c:crosses val="autoZero"/>
         <c:crossBetween val="midCat"/>
       </c:valAx>
       <c:valAx>
-        <c:axId val="77002368"/>
+        <c:axId val="69559424"/>
         <c:scaling>
           <c:logBase val="10"/>
           <c:orientation val="minMax"/>
         </c:scaling>
-        <c:delete val="0"/>
         <c:axPos val="l"/>
         <c:majorGridlines/>
         <c:title>
@@ -1715,13 +1657,10 @@
             </c:rich>
           </c:tx>
           <c:layout/>
-          <c:overlay val="0"/>
         </c:title>
         <c:numFmt formatCode="0.E+00" sourceLinked="0"/>
-        <c:majorTickMark val="out"/>
-        <c:minorTickMark val="none"/>
         <c:tickLblPos val="nextTo"/>
-        <c:crossAx val="77001792"/>
+        <c:crossAx val="69508096"/>
         <c:crosses val="autoZero"/>
         <c:crossBetween val="midCat"/>
       </c:valAx>
@@ -1733,34 +1672,20 @@
     </c:legend>
     <c:plotVisOnly val="1"/>
     <c:dispBlanksAs val="gap"/>
-    <c:showDLblsOverMax val="0"/>
   </c:chart>
-  <c:externalData r:id="rId1">
-    <c:autoUpdate val="0"/>
-  </c:externalData>
+  <c:externalData r:id="rId1"/>
 </c:chartSpace>
 </file>
 
 <file path=ppt/charts/chart3.xml><?xml version="1.0" encoding="utf-8"?>
 <c:chartSpace xmlns:c="http://schemas.openxmlformats.org/drawingml/2006/chart" xmlns:a="http://schemas.openxmlformats.org/drawingml/2006/main" xmlns:r="http://schemas.openxmlformats.org/officeDocument/2006/relationships">
-  <c:date1904 val="0"/>
   <c:lang val="nl-NL"/>
-  <c:roundedCorners val="0"/>
-  <mc:AlternateContent xmlns:mc="http://schemas.openxmlformats.org/markup-compatibility/2006">
-    <mc:Choice xmlns:c14="http://schemas.microsoft.com/office/drawing/2007/8/2/chart" Requires="c14">
-      <c14:style val="102"/>
-    </mc:Choice>
-    <mc:Fallback>
-      <c:style val="2"/>
-    </mc:Fallback>
-  </mc:AlternateContent>
   <c:chart>
     <c:autoTitleDeleted val="1"/>
     <c:plotArea>
       <c:layout/>
       <c:scatterChart>
         <c:scatterStyle val="lineMarker"/>
-        <c:varyColors val="0"/>
         <c:ser>
           <c:idx val="0"/>
           <c:order val="0"/>
@@ -1884,43 +1809,43 @@
                 <c:formatCode>0%</c:formatCode>
                 <c:ptCount val="32"/>
                 <c:pt idx="0">
-                  <c:v>3.9986900278369084E-2</c:v>
+                  <c:v>3.9986900278369091E-2</c:v>
                 </c:pt>
                 <c:pt idx="1">
-                  <c:v>5.7399926551597501E-2</c:v>
+                  <c:v>5.7399926551597508E-2</c:v>
                 </c:pt>
                 <c:pt idx="2">
-                  <c:v>3.2327201285943921E-2</c:v>
+                  <c:v>3.2327201285943928E-2</c:v>
                 </c:pt>
                 <c:pt idx="3">
-                  <c:v>4.9309664694280081E-2</c:v>
+                  <c:v>4.9309664694280088E-2</c:v>
                 </c:pt>
                 <c:pt idx="4">
                   <c:v>4.9376702499559735E-2</c:v>
                 </c:pt>
                 <c:pt idx="5">
-                  <c:v>4.9676836678944021E-2</c:v>
+                  <c:v>4.9676836678944014E-2</c:v>
                 </c:pt>
                 <c:pt idx="6">
                   <c:v>2.574062397886627E-2</c:v>
                 </c:pt>
                 <c:pt idx="7">
-                  <c:v>4.5866690014063155E-2</c:v>
+                  <c:v>4.5866690014063176E-2</c:v>
                 </c:pt>
                 <c:pt idx="8">
                   <c:v>0.13700966458214894</c:v>
                 </c:pt>
                 <c:pt idx="9">
-                  <c:v>0.1257005604483587</c:v>
+                  <c:v>0.12570056044835867</c:v>
                 </c:pt>
                 <c:pt idx="10">
-                  <c:v>0.15132105684547639</c:v>
+                  <c:v>0.15132105684547642</c:v>
                 </c:pt>
                 <c:pt idx="11">
                   <c:v>0.13624083365495948</c:v>
                 </c:pt>
                 <c:pt idx="12">
-                  <c:v>2.2646215363290614E-2</c:v>
+                  <c:v>2.2646215363290617E-2</c:v>
                 </c:pt>
                 <c:pt idx="13">
                   <c:v>3.6592024859643288E-2</c:v>
@@ -1929,16 +1854,16 @@
                   <c:v>2.3150720726084397E-2</c:v>
                 </c:pt>
                 <c:pt idx="15">
-                  <c:v>2.6574831587533366E-2</c:v>
+                  <c:v>2.6574831587533376E-2</c:v>
                 </c:pt>
                 <c:pt idx="16">
-                  <c:v>1.5397003469032111E-2</c:v>
+                  <c:v>1.5397003469032113E-2</c:v>
                 </c:pt>
                 <c:pt idx="17">
                   <c:v>1.2625543973457035E-2</c:v>
                 </c:pt>
                 <c:pt idx="18">
-                  <c:v>2.4279261467721452E-2</c:v>
+                  <c:v>2.4279261467721455E-2</c:v>
                 </c:pt>
                 <c:pt idx="19">
                   <c:v>1.5461232381811487E-2</c:v>
@@ -1947,7 +1872,7 @@
                   <c:v>7.2675582605910144E-2</c:v>
                 </c:pt>
                 <c:pt idx="21">
-                  <c:v>5.5604813172894237E-2</c:v>
+                  <c:v>5.560481317289423E-2</c:v>
                 </c:pt>
                 <c:pt idx="22">
                   <c:v>9.937986961361106E-2</c:v>
@@ -1956,33 +1881,32 @@
                   <c:v>7.56198810725906E-2</c:v>
                 </c:pt>
                 <c:pt idx="24">
-                  <c:v>1.066245408514601E-2</c:v>
+                  <c:v>1.0662454085146012E-2</c:v>
                 </c:pt>
                 <c:pt idx="25">
-                  <c:v>8.394696327767898E-3</c:v>
+                  <c:v>8.3946963277679032E-3</c:v>
                 </c:pt>
                 <c:pt idx="26">
-                  <c:v>1.2841315680289855E-2</c:v>
+                  <c:v>1.2841315680289856E-2</c:v>
                 </c:pt>
                 <c:pt idx="27">
-                  <c:v>9.9615872936732967E-3</c:v>
+                  <c:v>9.9615872936733001E-3</c:v>
                 </c:pt>
                 <c:pt idx="28">
-                  <c:v>0.32258064516129031</c:v>
+                  <c:v>0.32258064516129037</c:v>
                 </c:pt>
                 <c:pt idx="29">
-                  <c:v>0.28301886792452829</c:v>
+                  <c:v>0.28301886792452846</c:v>
                 </c:pt>
                 <c:pt idx="30">
-                  <c:v>0.29032258064516131</c:v>
+                  <c:v>0.29032258064516137</c:v>
                 </c:pt>
                 <c:pt idx="31">
-                  <c:v>0.32258064516129031</c:v>
+                  <c:v>0.32258064516129037</c:v>
                 </c:pt>
               </c:numCache>
             </c:numRef>
           </c:yVal>
-          <c:smooth val="0"/>
         </c:ser>
         <c:ser>
           <c:idx val="1"/>
@@ -2107,28 +2031,28 @@
                 <c:formatCode>0%</c:formatCode>
                 <c:ptCount val="32"/>
                 <c:pt idx="0">
-                  <c:v>9.4667321652748215E-2</c:v>
+                  <c:v>9.4667321652748229E-2</c:v>
                 </c:pt>
                 <c:pt idx="1">
                   <c:v>0.20175226903100571</c:v>
                 </c:pt>
                 <c:pt idx="2">
-                  <c:v>4.1793177353098766E-2</c:v>
+                  <c:v>4.1793177353098787E-2</c:v>
                 </c:pt>
                 <c:pt idx="3">
-                  <c:v>0.13540935379266539</c:v>
+                  <c:v>0.13540935379266544</c:v>
                 </c:pt>
                 <c:pt idx="4">
-                  <c:v>0.16155901186644536</c:v>
+                  <c:v>0.16155901186644539</c:v>
                 </c:pt>
                 <c:pt idx="5">
-                  <c:v>0.1672904455900007</c:v>
+                  <c:v>0.16729044559000075</c:v>
                 </c:pt>
                 <c:pt idx="6">
-                  <c:v>5.9203895380678655E-2</c:v>
+                  <c:v>5.9203895380678669E-2</c:v>
                 </c:pt>
                 <c:pt idx="7">
-                  <c:v>0.12049445408132554</c:v>
+                  <c:v>0.12049445408132556</c:v>
                 </c:pt>
                 <c:pt idx="8">
                   <c:v>0.4727117680500284</c:v>
@@ -2137,7 +2061,7 @@
                   <c:v>0.30944755804643714</c:v>
                 </c:pt>
                 <c:pt idx="10">
-                  <c:v>0.32345876701361087</c:v>
+                  <c:v>0.32345876701361098</c:v>
                 </c:pt>
                 <c:pt idx="11">
                   <c:v>0.36974141258201465</c:v>
@@ -2146,22 +2070,22 @@
                   <c:v>6.1438046440392274E-2</c:v>
                 </c:pt>
                 <c:pt idx="13">
-                  <c:v>0.10664007624682925</c:v>
+                  <c:v>0.10664007624682928</c:v>
                 </c:pt>
                 <c:pt idx="14">
                   <c:v>7.1435068500400226E-2</c:v>
                 </c:pt>
                 <c:pt idx="15">
-                  <c:v>9.6504621758157258E-2</c:v>
+                  <c:v>9.6504621758157272E-2</c:v>
                 </c:pt>
                 <c:pt idx="16">
-                  <c:v>6.2279233613110468E-2</c:v>
+                  <c:v>6.2279233613110475E-2</c:v>
                 </c:pt>
                 <c:pt idx="17">
-                  <c:v>5.9133480755831344E-2</c:v>
+                  <c:v>5.9133480755831372E-2</c:v>
                 </c:pt>
                 <c:pt idx="18">
-                  <c:v>5.8367928725947267E-2</c:v>
+                  <c:v>5.8367928725947288E-2</c:v>
                 </c:pt>
                 <c:pt idx="19">
                   <c:v>6.5507532602667742E-2</c:v>
@@ -2176,54 +2100,45 @@
                   <c:v>0.28033073620607407</c:v>
                 </c:pt>
                 <c:pt idx="23">
-                  <c:v>0.2367328621115225</c:v>
+                  <c:v>0.23673286211152253</c:v>
                 </c:pt>
                 <c:pt idx="24">
-                  <c:v>8.4020227636378841E-2</c:v>
+                  <c:v>8.4020227636378828E-2</c:v>
                 </c:pt>
                 <c:pt idx="25">
-                  <c:v>7.1033881920492647E-2</c:v>
+                  <c:v>7.1033881920492675E-2</c:v>
                 </c:pt>
                 <c:pt idx="26">
-                  <c:v>9.6160613666457159E-2</c:v>
+                  <c:v>9.6160613666457173E-2</c:v>
                 </c:pt>
                 <c:pt idx="27">
                   <c:v>7.6161729608311107E-2</c:v>
                 </c:pt>
                 <c:pt idx="28">
-                  <c:v>0.41935483870967744</c:v>
+                  <c:v>0.41935483870967755</c:v>
                 </c:pt>
                 <c:pt idx="29">
-                  <c:v>0.50943396226415094</c:v>
+                  <c:v>0.50943396226415083</c:v>
                 </c:pt>
                 <c:pt idx="30">
-                  <c:v>0.45161290322580644</c:v>
+                  <c:v>0.45161290322580655</c:v>
                 </c:pt>
                 <c:pt idx="31">
-                  <c:v>0.45161290322580644</c:v>
+                  <c:v>0.45161290322580655</c:v>
                 </c:pt>
               </c:numCache>
             </c:numRef>
           </c:yVal>
-          <c:smooth val="0"/>
         </c:ser>
-        <c:dLbls>
-          <c:showLegendKey val="0"/>
-          <c:showVal val="0"/>
-          <c:showCatName val="0"/>
-          <c:showSerName val="0"/>
-          <c:showPercent val="0"/>
-          <c:showBubbleSize val="0"/>
-        </c:dLbls>
-        <c:axId val="84666624"/>
-        <c:axId val="84667200"/>
+        <c:dLbls/>
+        <c:axId val="46198144"/>
+        <c:axId val="69592576"/>
       </c:scatterChart>
       <c:valAx>
-        <c:axId val="84666624"/>
+        <c:axId val="46198144"/>
         <c:scaling>
           <c:orientation val="minMax"/>
         </c:scaling>
-        <c:delete val="0"/>
         <c:axPos val="b"/>
         <c:title>
           <c:tx>
@@ -2242,29 +2157,23 @@
             </c:rich>
           </c:tx>
           <c:layout/>
-          <c:overlay val="0"/>
         </c:title>
         <c:numFmt formatCode="General" sourceLinked="1"/>
-        <c:majorTickMark val="out"/>
-        <c:minorTickMark val="none"/>
         <c:tickLblPos val="nextTo"/>
-        <c:crossAx val="84667200"/>
+        <c:crossAx val="69592576"/>
         <c:crosses val="autoZero"/>
         <c:crossBetween val="midCat"/>
       </c:valAx>
       <c:valAx>
-        <c:axId val="84667200"/>
+        <c:axId val="69592576"/>
         <c:scaling>
           <c:orientation val="minMax"/>
         </c:scaling>
-        <c:delete val="0"/>
         <c:axPos val="l"/>
         <c:majorGridlines/>
         <c:numFmt formatCode="0%" sourceLinked="1"/>
-        <c:majorTickMark val="out"/>
-        <c:minorTickMark val="none"/>
         <c:tickLblPos val="nextTo"/>
-        <c:crossAx val="84666624"/>
+        <c:crossAx val="46198144"/>
         <c:crosses val="autoZero"/>
         <c:crossBetween val="midCat"/>
       </c:valAx>
@@ -2272,15 +2181,11 @@
     <c:legend>
       <c:legendPos val="r"/>
       <c:layout/>
-      <c:overlay val="0"/>
     </c:legend>
     <c:plotVisOnly val="1"/>
     <c:dispBlanksAs val="gap"/>
-    <c:showDLblsOverMax val="0"/>
   </c:chart>
-  <c:externalData r:id="rId1">
-    <c:autoUpdate val="0"/>
-  </c:externalData>
+  <c:externalData r:id="rId1"/>
 </c:chartSpace>
 </file>
 
@@ -2366,7 +2271,8 @@
           <a:p>
             <a:fld id="{0D2C5EC4-013B-492E-8FDB-BCD953B6E2F3}" type="datetimeFigureOut">
               <a:rPr lang="nl-NL" smtClean="0"/>
-              <a:t>26-3-2015</a:t>
+              <a:pPr/>
+              <a:t>27-3-2015</a:t>
             </a:fld>
             <a:endParaRPr lang="nl-NL"/>
           </a:p>
@@ -2525,6 +2431,7 @@
           <a:p>
             <a:fld id="{1FCB4FB1-7393-491A-B33C-F7E8FD03B6BC}" type="slidenum">
               <a:rPr lang="nl-NL" smtClean="0"/>
+              <a:pPr/>
               <a:t>‹nr.›</a:t>
             </a:fld>
             <a:endParaRPr lang="nl-NL"/>
@@ -2534,7 +2441,7 @@
     </p:spTree>
     <p:extLst>
       <p:ext uri="{BB962C8B-B14F-4D97-AF65-F5344CB8AC3E}">
-        <p14:creationId xmlns:p14="http://schemas.microsoft.com/office/powerpoint/2010/main" val="884923823"/>
+        <p14:creationId xmlns:p14="http://schemas.microsoft.com/office/powerpoint/2010/main" xmlns="" val="884923823"/>
       </p:ext>
     </p:extLst>
   </p:cSld>
@@ -2699,6 +2606,7 @@
           <a:p>
             <a:fld id="{1FCB4FB1-7393-491A-B33C-F7E8FD03B6BC}" type="slidenum">
               <a:rPr lang="nl-NL" smtClean="0"/>
+              <a:pPr/>
               <a:t>1</a:t>
             </a:fld>
             <a:endParaRPr lang="nl-NL"/>
@@ -2708,7 +2616,7 @@
     </p:spTree>
     <p:extLst>
       <p:ext uri="{BB962C8B-B14F-4D97-AF65-F5344CB8AC3E}">
-        <p14:creationId xmlns:p14="http://schemas.microsoft.com/office/powerpoint/2010/main" val="689119006"/>
+        <p14:creationId xmlns:p14="http://schemas.microsoft.com/office/powerpoint/2010/main" xmlns="" val="689119006"/>
       </p:ext>
     </p:extLst>
   </p:cSld>
@@ -2820,6 +2728,7 @@
           <a:p>
             <a:fld id="{1FCB4FB1-7393-491A-B33C-F7E8FD03B6BC}" type="slidenum">
               <a:rPr lang="nl-NL" smtClean="0"/>
+              <a:pPr/>
               <a:t>10</a:t>
             </a:fld>
             <a:endParaRPr lang="nl-NL"/>
@@ -2829,7 +2738,7 @@
     </p:spTree>
     <p:extLst>
       <p:ext uri="{BB962C8B-B14F-4D97-AF65-F5344CB8AC3E}">
-        <p14:creationId xmlns:p14="http://schemas.microsoft.com/office/powerpoint/2010/main" val="1117757697"/>
+        <p14:creationId xmlns:p14="http://schemas.microsoft.com/office/powerpoint/2010/main" xmlns="" val="1117757697"/>
       </p:ext>
     </p:extLst>
   </p:cSld>
@@ -2904,6 +2813,7 @@
           <a:p>
             <a:fld id="{1FCB4FB1-7393-491A-B33C-F7E8FD03B6BC}" type="slidenum">
               <a:rPr lang="nl-NL" smtClean="0"/>
+              <a:pPr/>
               <a:t>11</a:t>
             </a:fld>
             <a:endParaRPr lang="nl-NL"/>
@@ -2913,7 +2823,7 @@
     </p:spTree>
     <p:extLst>
       <p:ext uri="{BB962C8B-B14F-4D97-AF65-F5344CB8AC3E}">
-        <p14:creationId xmlns:p14="http://schemas.microsoft.com/office/powerpoint/2010/main" val="56750998"/>
+        <p14:creationId xmlns:p14="http://schemas.microsoft.com/office/powerpoint/2010/main" xmlns="" val="56750998"/>
       </p:ext>
     </p:extLst>
   </p:cSld>
@@ -2988,6 +2898,7 @@
           <a:p>
             <a:fld id="{1FCB4FB1-7393-491A-B33C-F7E8FD03B6BC}" type="slidenum">
               <a:rPr lang="nl-NL" smtClean="0"/>
+              <a:pPr/>
               <a:t>12</a:t>
             </a:fld>
             <a:endParaRPr lang="nl-NL"/>
@@ -2997,7 +2908,7 @@
     </p:spTree>
     <p:extLst>
       <p:ext uri="{BB962C8B-B14F-4D97-AF65-F5344CB8AC3E}">
-        <p14:creationId xmlns:p14="http://schemas.microsoft.com/office/powerpoint/2010/main" val="1383057812"/>
+        <p14:creationId xmlns:p14="http://schemas.microsoft.com/office/powerpoint/2010/main" xmlns="" val="1383057812"/>
       </p:ext>
     </p:extLst>
   </p:cSld>
@@ -3076,6 +2987,7 @@
           <a:p>
             <a:fld id="{1FCB4FB1-7393-491A-B33C-F7E8FD03B6BC}" type="slidenum">
               <a:rPr lang="nl-NL" smtClean="0"/>
+              <a:pPr/>
               <a:t>2</a:t>
             </a:fld>
             <a:endParaRPr lang="nl-NL"/>
@@ -3085,7 +2997,7 @@
     </p:spTree>
     <p:extLst>
       <p:ext uri="{BB962C8B-B14F-4D97-AF65-F5344CB8AC3E}">
-        <p14:creationId xmlns:p14="http://schemas.microsoft.com/office/powerpoint/2010/main" val="3831478681"/>
+        <p14:creationId xmlns:p14="http://schemas.microsoft.com/office/powerpoint/2010/main" xmlns="" val="3831478681"/>
       </p:ext>
     </p:extLst>
   </p:cSld>
@@ -3164,6 +3076,7 @@
           <a:p>
             <a:fld id="{1FCB4FB1-7393-491A-B33C-F7E8FD03B6BC}" type="slidenum">
               <a:rPr lang="nl-NL" smtClean="0"/>
+              <a:pPr/>
               <a:t>3</a:t>
             </a:fld>
             <a:endParaRPr lang="nl-NL"/>
@@ -3173,7 +3086,7 @@
     </p:spTree>
     <p:extLst>
       <p:ext uri="{BB962C8B-B14F-4D97-AF65-F5344CB8AC3E}">
-        <p14:creationId xmlns:p14="http://schemas.microsoft.com/office/powerpoint/2010/main" val="748212229"/>
+        <p14:creationId xmlns:p14="http://schemas.microsoft.com/office/powerpoint/2010/main" xmlns="" val="748212229"/>
       </p:ext>
     </p:extLst>
   </p:cSld>
@@ -3252,6 +3165,7 @@
           <a:p>
             <a:fld id="{1FCB4FB1-7393-491A-B33C-F7E8FD03B6BC}" type="slidenum">
               <a:rPr lang="nl-NL" smtClean="0"/>
+              <a:pPr/>
               <a:t>4</a:t>
             </a:fld>
             <a:endParaRPr lang="nl-NL"/>
@@ -3261,7 +3175,7 @@
     </p:spTree>
     <p:extLst>
       <p:ext uri="{BB962C8B-B14F-4D97-AF65-F5344CB8AC3E}">
-        <p14:creationId xmlns:p14="http://schemas.microsoft.com/office/powerpoint/2010/main" val="551284251"/>
+        <p14:creationId xmlns:p14="http://schemas.microsoft.com/office/powerpoint/2010/main" xmlns="" val="551284251"/>
       </p:ext>
     </p:extLst>
   </p:cSld>
@@ -3352,6 +3266,7 @@
           <a:p>
             <a:fld id="{1FCB4FB1-7393-491A-B33C-F7E8FD03B6BC}" type="slidenum">
               <a:rPr lang="nl-NL" smtClean="0"/>
+              <a:pPr/>
               <a:t>5</a:t>
             </a:fld>
             <a:endParaRPr lang="nl-NL"/>
@@ -3361,7 +3276,7 @@
     </p:spTree>
     <p:extLst>
       <p:ext uri="{BB962C8B-B14F-4D97-AF65-F5344CB8AC3E}">
-        <p14:creationId xmlns:p14="http://schemas.microsoft.com/office/powerpoint/2010/main" val="3257599992"/>
+        <p14:creationId xmlns:p14="http://schemas.microsoft.com/office/powerpoint/2010/main" xmlns="" val="3257599992"/>
       </p:ext>
     </p:extLst>
   </p:cSld>
@@ -3440,6 +3355,7 @@
           <a:p>
             <a:fld id="{1FCB4FB1-7393-491A-B33C-F7E8FD03B6BC}" type="slidenum">
               <a:rPr lang="nl-NL" smtClean="0"/>
+              <a:pPr/>
               <a:t>6</a:t>
             </a:fld>
             <a:endParaRPr lang="nl-NL"/>
@@ -3449,7 +3365,7 @@
     </p:spTree>
     <p:extLst>
       <p:ext uri="{BB962C8B-B14F-4D97-AF65-F5344CB8AC3E}">
-        <p14:creationId xmlns:p14="http://schemas.microsoft.com/office/powerpoint/2010/main" val="3401602701"/>
+        <p14:creationId xmlns:p14="http://schemas.microsoft.com/office/powerpoint/2010/main" xmlns="" val="3401602701"/>
       </p:ext>
     </p:extLst>
   </p:cSld>
@@ -3560,6 +3476,7 @@
           <a:p>
             <a:fld id="{1FCB4FB1-7393-491A-B33C-F7E8FD03B6BC}" type="slidenum">
               <a:rPr lang="nl-NL" smtClean="0"/>
+              <a:pPr/>
               <a:t>7</a:t>
             </a:fld>
             <a:endParaRPr lang="nl-NL"/>
@@ -3569,7 +3486,7 @@
     </p:spTree>
     <p:extLst>
       <p:ext uri="{BB962C8B-B14F-4D97-AF65-F5344CB8AC3E}">
-        <p14:creationId xmlns:p14="http://schemas.microsoft.com/office/powerpoint/2010/main" val="1007628455"/>
+        <p14:creationId xmlns:p14="http://schemas.microsoft.com/office/powerpoint/2010/main" xmlns="" val="1007628455"/>
       </p:ext>
     </p:extLst>
   </p:cSld>
@@ -3673,6 +3590,7 @@
           <a:p>
             <a:fld id="{1FCB4FB1-7393-491A-B33C-F7E8FD03B6BC}" type="slidenum">
               <a:rPr lang="nl-NL" smtClean="0"/>
+              <a:pPr/>
               <a:t>8</a:t>
             </a:fld>
             <a:endParaRPr lang="nl-NL"/>
@@ -3682,7 +3600,7 @@
     </p:spTree>
     <p:extLst>
       <p:ext uri="{BB962C8B-B14F-4D97-AF65-F5344CB8AC3E}">
-        <p14:creationId xmlns:p14="http://schemas.microsoft.com/office/powerpoint/2010/main" val="4006316540"/>
+        <p14:creationId xmlns:p14="http://schemas.microsoft.com/office/powerpoint/2010/main" xmlns="" val="4006316540"/>
       </p:ext>
     </p:extLst>
   </p:cSld>
@@ -3802,6 +3720,7 @@
           <a:p>
             <a:fld id="{1FCB4FB1-7393-491A-B33C-F7E8FD03B6BC}" type="slidenum">
               <a:rPr lang="nl-NL" smtClean="0"/>
+              <a:pPr/>
               <a:t>9</a:t>
             </a:fld>
             <a:endParaRPr lang="nl-NL"/>
@@ -3811,7 +3730,7 @@
     </p:spTree>
     <p:extLst>
       <p:ext uri="{BB962C8B-B14F-4D97-AF65-F5344CB8AC3E}">
-        <p14:creationId xmlns:p14="http://schemas.microsoft.com/office/powerpoint/2010/main" val="2970379472"/>
+        <p14:creationId xmlns:p14="http://schemas.microsoft.com/office/powerpoint/2010/main" xmlns="" val="2970379472"/>
       </p:ext>
     </p:extLst>
   </p:cSld>
@@ -3916,7 +3835,7 @@
     </p:spTree>
     <p:extLst>
       <p:ext uri="{BB962C8B-B14F-4D97-AF65-F5344CB8AC3E}">
-        <p14:creationId xmlns:p14="http://schemas.microsoft.com/office/powerpoint/2010/main" val="3615915129"/>
+        <p14:creationId xmlns:p14="http://schemas.microsoft.com/office/powerpoint/2010/main" xmlns="" val="3615915129"/>
       </p:ext>
     </p:extLst>
   </p:cSld>
@@ -3967,7 +3886,7 @@
           </a:ln>
           <a:extLst>
             <a:ext uri="{91240B29-F687-4F45-9708-019B960494DF}">
-              <a14:hiddenLine xmlns:a14="http://schemas.microsoft.com/office/drawing/2010/main" w="9525" algn="ctr">
+              <a14:hiddenLine xmlns:a14="http://schemas.microsoft.com/office/drawing/2010/main" xmlns="" w="9525" algn="ctr">
                 <a:solidFill>
                   <a:srgbClr val="000000"/>
                 </a:solidFill>
@@ -4273,7 +4192,7 @@
     </p:spTree>
     <p:extLst>
       <p:ext uri="{BB962C8B-B14F-4D97-AF65-F5344CB8AC3E}">
-        <p14:creationId xmlns:p14="http://schemas.microsoft.com/office/powerpoint/2010/main" val="1384277450"/>
+        <p14:creationId xmlns:p14="http://schemas.microsoft.com/office/powerpoint/2010/main" xmlns="" val="1384277450"/>
       </p:ext>
     </p:extLst>
   </p:cSld>
@@ -4332,14 +4251,14 @@
           </a:ln>
           <a:extLst>
             <a:ext uri="{909E8E84-426E-40DD-AFC4-6F175D3DCCD1}">
-              <a14:hiddenFill xmlns:a14="http://schemas.microsoft.com/office/drawing/2010/main">
+              <a14:hiddenFill xmlns:a14="http://schemas.microsoft.com/office/drawing/2010/main" xmlns="">
                 <a:solidFill>
                   <a:srgbClr val="FFFFFF"/>
                 </a:solidFill>
               </a14:hiddenFill>
             </a:ext>
             <a:ext uri="{91240B29-F687-4F45-9708-019B960494DF}">
-              <a14:hiddenLine xmlns:a14="http://schemas.microsoft.com/office/drawing/2010/main" w="9525">
+              <a14:hiddenLine xmlns:a14="http://schemas.microsoft.com/office/drawing/2010/main" xmlns="" w="9525">
                 <a:solidFill>
                   <a:srgbClr val="000000"/>
                 </a:solidFill>
@@ -4363,7 +4282,6 @@
               <a:rPr lang="nl-NL" altLang="nl-NL" smtClean="0"/>
               <a:t>Klik om de stijl te bewerken</a:t>
             </a:r>
-            <a:endParaRPr lang="nl-NL" altLang="nl-NL" smtClean="0"/>
           </a:p>
         </p:txBody>
       </p:sp>
@@ -4391,14 +4309,14 @@
           </a:ln>
           <a:extLst>
             <a:ext uri="{909E8E84-426E-40DD-AFC4-6F175D3DCCD1}">
-              <a14:hiddenFill xmlns:a14="http://schemas.microsoft.com/office/drawing/2010/main">
+              <a14:hiddenFill xmlns:a14="http://schemas.microsoft.com/office/drawing/2010/main" xmlns="">
                 <a:solidFill>
                   <a:srgbClr val="FFFFFF"/>
                 </a:solidFill>
               </a14:hiddenFill>
             </a:ext>
             <a:ext uri="{91240B29-F687-4F45-9708-019B960494DF}">
-              <a14:hiddenLine xmlns:a14="http://schemas.microsoft.com/office/drawing/2010/main" w="9525">
+              <a14:hiddenLine xmlns:a14="http://schemas.microsoft.com/office/drawing/2010/main" xmlns="" w="9525">
                 <a:solidFill>
                   <a:srgbClr val="000000"/>
                 </a:solidFill>
@@ -4463,7 +4381,7 @@
           </a:ln>
           <a:extLst>
             <a:ext uri="{91240B29-F687-4F45-9708-019B960494DF}">
-              <a14:hiddenLine xmlns:a14="http://schemas.microsoft.com/office/drawing/2010/main" w="9525">
+              <a14:hiddenLine xmlns:a14="http://schemas.microsoft.com/office/drawing/2010/main" xmlns="" w="9525">
                 <a:solidFill>
                   <a:srgbClr val="000000"/>
                 </a:solidFill>
@@ -4615,7 +4533,7 @@
           </a:ln>
           <a:extLst>
             <a:ext uri="{91240B29-F687-4F45-9708-019B960494DF}">
-              <a14:hiddenLine xmlns:a14="http://schemas.microsoft.com/office/drawing/2010/main" w="9525">
+              <a14:hiddenLine xmlns:a14="http://schemas.microsoft.com/office/drawing/2010/main" xmlns="" w="9525">
                 <a:solidFill>
                   <a:srgbClr val="000000"/>
                 </a:solidFill>
@@ -4770,7 +4688,7 @@
           </a:ln>
           <a:extLst>
             <a:ext uri="{909E8E84-426E-40DD-AFC4-6F175D3DCCD1}">
-              <a14:hiddenFill xmlns:a14="http://schemas.microsoft.com/office/drawing/2010/main">
+              <a14:hiddenFill xmlns:a14="http://schemas.microsoft.com/office/drawing/2010/main" xmlns="">
                 <a:noFill/>
               </a14:hiddenFill>
             </a:ext>
@@ -4811,7 +4729,7 @@
           </a:ln>
           <a:extLst>
             <a:ext uri="{909E8E84-426E-40DD-AFC4-6F175D3DCCD1}">
-              <a14:hiddenFill xmlns:a14="http://schemas.microsoft.com/office/drawing/2010/main">
+              <a14:hiddenFill xmlns:a14="http://schemas.microsoft.com/office/drawing/2010/main" xmlns="">
                 <a:noFill/>
               </a14:hiddenFill>
             </a:ext>
@@ -4847,14 +4765,14 @@
           </a:ln>
           <a:extLst>
             <a:ext uri="{909E8E84-426E-40DD-AFC4-6F175D3DCCD1}">
-              <a14:hiddenFill xmlns:a14="http://schemas.microsoft.com/office/drawing/2010/main">
+              <a14:hiddenFill xmlns:a14="http://schemas.microsoft.com/office/drawing/2010/main" xmlns="">
                 <a:solidFill>
                   <a:srgbClr val="FFFFFF"/>
                 </a:solidFill>
               </a14:hiddenFill>
             </a:ext>
             <a:ext uri="{91240B29-F687-4F45-9708-019B960494DF}">
-              <a14:hiddenLine xmlns:a14="http://schemas.microsoft.com/office/drawing/2010/main" w="9525">
+              <a14:hiddenLine xmlns:a14="http://schemas.microsoft.com/office/drawing/2010/main" xmlns="" w="9525">
                 <a:solidFill>
                   <a:srgbClr val="000000"/>
                 </a:solidFill>
@@ -5016,7 +4934,7 @@
           </a:ln>
           <a:extLst>
             <a:ext uri="{91240B29-F687-4F45-9708-019B960494DF}">
-              <a14:hiddenLine xmlns:a14="http://schemas.microsoft.com/office/drawing/2010/main" w="9525">
+              <a14:hiddenLine xmlns:a14="http://schemas.microsoft.com/office/drawing/2010/main" xmlns="" w="9525">
                 <a:solidFill>
                   <a:srgbClr val="000000"/>
                 </a:solidFill>
@@ -5153,10 +5071,10 @@
           <p:nvPr/>
         </p:nvPicPr>
         <p:blipFill>
-          <a:blip r:embed="rId3">
+          <a:blip r:embed="rId3" cstate="print">
             <a:extLst>
               <a:ext uri="{28A0092B-C50C-407E-A947-70E740481C1C}">
-                <a14:useLocalDpi xmlns:a14="http://schemas.microsoft.com/office/drawing/2010/main" val="0"/>
+                <a14:useLocalDpi xmlns:a14="http://schemas.microsoft.com/office/drawing/2010/main" xmlns="" val="0"/>
               </a:ext>
             </a:extLst>
           </a:blip>
@@ -5179,14 +5097,14 @@
           </a:ln>
           <a:extLst>
             <a:ext uri="{909E8E84-426E-40DD-AFC4-6F175D3DCCD1}">
-              <a14:hiddenFill xmlns:a14="http://schemas.microsoft.com/office/drawing/2010/main">
+              <a14:hiddenFill xmlns:a14="http://schemas.microsoft.com/office/drawing/2010/main" xmlns="">
                 <a:solidFill>
                   <a:srgbClr val="FFFFFF"/>
                 </a:solidFill>
               </a14:hiddenFill>
             </a:ext>
             <a:ext uri="{91240B29-F687-4F45-9708-019B960494DF}">
-              <a14:hiddenLine xmlns:a14="http://schemas.microsoft.com/office/drawing/2010/main" w="9525">
+              <a14:hiddenLine xmlns:a14="http://schemas.microsoft.com/office/drawing/2010/main" xmlns="" w="9525">
                 <a:solidFill>
                   <a:srgbClr val="000000"/>
                 </a:solidFill>
@@ -5373,14 +5291,14 @@
           </a:ln>
           <a:extLst>
             <a:ext uri="{909E8E84-426E-40DD-AFC4-6F175D3DCCD1}">
-              <a14:hiddenFill xmlns:a14="http://schemas.microsoft.com/office/drawing/2010/main">
+              <a14:hiddenFill xmlns:a14="http://schemas.microsoft.com/office/drawing/2010/main" xmlns="">
                 <a:solidFill>
                   <a:srgbClr val="FFFFFF"/>
                 </a:solidFill>
               </a14:hiddenFill>
             </a:ext>
             <a:ext uri="{91240B29-F687-4F45-9708-019B960494DF}">
-              <a14:hiddenLine xmlns:a14="http://schemas.microsoft.com/office/drawing/2010/main" w="9525">
+              <a14:hiddenLine xmlns:a14="http://schemas.microsoft.com/office/drawing/2010/main" xmlns="" w="9525">
                 <a:solidFill>
                   <a:srgbClr val="000000"/>
                 </a:solidFill>
@@ -5520,7 +5438,7 @@
     </p:spTree>
     <p:extLst>
       <p:ext uri="{BB962C8B-B14F-4D97-AF65-F5344CB8AC3E}">
-        <p14:creationId xmlns:p14="http://schemas.microsoft.com/office/powerpoint/2010/main" val="4192844788"/>
+        <p14:creationId xmlns:p14="http://schemas.microsoft.com/office/powerpoint/2010/main" xmlns="" val="4192844788"/>
       </p:ext>
     </p:extLst>
   </p:cSld>
@@ -6027,14 +5945,14 @@
           </a:ln>
           <a:extLst>
             <a:ext uri="{909E8E84-426E-40DD-AFC4-6F175D3DCCD1}">
-              <a14:hiddenFill xmlns:a14="http://schemas.microsoft.com/office/drawing/2010/main">
+              <a14:hiddenFill xmlns:a14="http://schemas.microsoft.com/office/drawing/2010/main" xmlns="">
                 <a:solidFill>
                   <a:srgbClr val="FFFFFF"/>
                 </a:solidFill>
               </a14:hiddenFill>
             </a:ext>
             <a:ext uri="{91240B29-F687-4F45-9708-019B960494DF}">
-              <a14:hiddenLine xmlns:a14="http://schemas.microsoft.com/office/drawing/2010/main" w="9525">
+              <a14:hiddenLine xmlns:a14="http://schemas.microsoft.com/office/drawing/2010/main" xmlns="" w="9525">
                 <a:solidFill>
                   <a:srgbClr val="000000"/>
                 </a:solidFill>
@@ -6089,14 +6007,14 @@
           </a:ln>
           <a:extLst>
             <a:ext uri="{909E8E84-426E-40DD-AFC4-6F175D3DCCD1}">
-              <a14:hiddenFill xmlns:a14="http://schemas.microsoft.com/office/drawing/2010/main">
+              <a14:hiddenFill xmlns:a14="http://schemas.microsoft.com/office/drawing/2010/main" xmlns="">
                 <a:solidFill>
                   <a:srgbClr val="FFFFFF"/>
                 </a:solidFill>
               </a14:hiddenFill>
             </a:ext>
             <a:ext uri="{91240B29-F687-4F45-9708-019B960494DF}">
-              <a14:hiddenLine xmlns:a14="http://schemas.microsoft.com/office/drawing/2010/main" w="9525">
+              <a14:hiddenLine xmlns:a14="http://schemas.microsoft.com/office/drawing/2010/main" xmlns="" w="9525">
                 <a:solidFill>
                   <a:srgbClr val="000000"/>
                 </a:solidFill>
@@ -6161,7 +6079,7 @@
           </a:ln>
           <a:extLst>
             <a:ext uri="{91240B29-F687-4F45-9708-019B960494DF}">
-              <a14:hiddenLine xmlns:a14="http://schemas.microsoft.com/office/drawing/2010/main" w="9525">
+              <a14:hiddenLine xmlns:a14="http://schemas.microsoft.com/office/drawing/2010/main" xmlns="" w="9525">
                 <a:solidFill>
                   <a:srgbClr val="000000"/>
                 </a:solidFill>
@@ -6323,7 +6241,7 @@
           </a:ln>
           <a:extLst>
             <a:ext uri="{91240B29-F687-4F45-9708-019B960494DF}">
-              <a14:hiddenLine xmlns:a14="http://schemas.microsoft.com/office/drawing/2010/main" w="9525">
+              <a14:hiddenLine xmlns:a14="http://schemas.microsoft.com/office/drawing/2010/main" xmlns="" w="9525">
                 <a:solidFill>
                   <a:srgbClr val="000000"/>
                 </a:solidFill>
@@ -6488,7 +6406,7 @@
           </a:ln>
           <a:extLst>
             <a:ext uri="{909E8E84-426E-40DD-AFC4-6F175D3DCCD1}">
-              <a14:hiddenFill xmlns:a14="http://schemas.microsoft.com/office/drawing/2010/main">
+              <a14:hiddenFill xmlns:a14="http://schemas.microsoft.com/office/drawing/2010/main" xmlns="">
                 <a:noFill/>
               </a14:hiddenFill>
             </a:ext>
@@ -6542,7 +6460,7 @@
           </a:ln>
           <a:extLst>
             <a:ext uri="{909E8E84-426E-40DD-AFC4-6F175D3DCCD1}">
-              <a14:hiddenFill xmlns:a14="http://schemas.microsoft.com/office/drawing/2010/main">
+              <a14:hiddenFill xmlns:a14="http://schemas.microsoft.com/office/drawing/2010/main" xmlns="">
                 <a:noFill/>
               </a14:hiddenFill>
             </a:ext>
@@ -6591,14 +6509,14 @@
           </a:ln>
           <a:extLst>
             <a:ext uri="{909E8E84-426E-40DD-AFC4-6F175D3DCCD1}">
-              <a14:hiddenFill xmlns:a14="http://schemas.microsoft.com/office/drawing/2010/main">
+              <a14:hiddenFill xmlns:a14="http://schemas.microsoft.com/office/drawing/2010/main" xmlns="">
                 <a:solidFill>
                   <a:srgbClr val="FFFFFF"/>
                 </a:solidFill>
               </a14:hiddenFill>
             </a:ext>
             <a:ext uri="{91240B29-F687-4F45-9708-019B960494DF}">
-              <a14:hiddenLine xmlns:a14="http://schemas.microsoft.com/office/drawing/2010/main" w="9525">
+              <a14:hiddenLine xmlns:a14="http://schemas.microsoft.com/office/drawing/2010/main" xmlns="" w="9525">
                 <a:solidFill>
                   <a:srgbClr val="000000"/>
                 </a:solidFill>
@@ -6763,7 +6681,7 @@
           </a:ln>
           <a:extLst>
             <a:ext uri="{91240B29-F687-4F45-9708-019B960494DF}">
-              <a14:hiddenLine xmlns:a14="http://schemas.microsoft.com/office/drawing/2010/main" w="9525">
+              <a14:hiddenLine xmlns:a14="http://schemas.microsoft.com/office/drawing/2010/main" xmlns="" w="9525">
                 <a:solidFill>
                   <a:srgbClr val="000000"/>
                 </a:solidFill>
@@ -6910,10 +6828,10 @@
           <p:nvPr userDrawn="1"/>
         </p:nvPicPr>
         <p:blipFill>
-          <a:blip r:embed="rId3">
+          <a:blip r:embed="rId3" cstate="print">
             <a:extLst>
               <a:ext uri="{28A0092B-C50C-407E-A947-70E740481C1C}">
-                <a14:useLocalDpi xmlns:a14="http://schemas.microsoft.com/office/drawing/2010/main" val="0"/>
+                <a14:useLocalDpi xmlns:a14="http://schemas.microsoft.com/office/drawing/2010/main" xmlns="" val="0"/>
               </a:ext>
             </a:extLst>
           </a:blip>
@@ -6936,14 +6854,14 @@
           </a:ln>
           <a:extLst>
             <a:ext uri="{909E8E84-426E-40DD-AFC4-6F175D3DCCD1}">
-              <a14:hiddenFill xmlns:a14="http://schemas.microsoft.com/office/drawing/2010/main">
+              <a14:hiddenFill xmlns:a14="http://schemas.microsoft.com/office/drawing/2010/main" xmlns="">
                 <a:solidFill>
                   <a:srgbClr val="FFFFFF"/>
                 </a:solidFill>
               </a14:hiddenFill>
             </a:ext>
             <a:ext uri="{91240B29-F687-4F45-9708-019B960494DF}">
-              <a14:hiddenLine xmlns:a14="http://schemas.microsoft.com/office/drawing/2010/main" w="9525">
+              <a14:hiddenLine xmlns:a14="http://schemas.microsoft.com/office/drawing/2010/main" xmlns="" w="9525">
                 <a:solidFill>
                   <a:srgbClr val="000000"/>
                 </a:solidFill>
@@ -7148,14 +7066,14 @@
           </a:ln>
           <a:extLst>
             <a:ext uri="{909E8E84-426E-40DD-AFC4-6F175D3DCCD1}">
-              <a14:hiddenFill xmlns:a14="http://schemas.microsoft.com/office/drawing/2010/main">
+              <a14:hiddenFill xmlns:a14="http://schemas.microsoft.com/office/drawing/2010/main" xmlns="">
                 <a:solidFill>
                   <a:srgbClr val="FFFFFF"/>
                 </a:solidFill>
               </a14:hiddenFill>
             </a:ext>
             <a:ext uri="{91240B29-F687-4F45-9708-019B960494DF}">
-              <a14:hiddenLine xmlns:a14="http://schemas.microsoft.com/office/drawing/2010/main" w="9525">
+              <a14:hiddenLine xmlns:a14="http://schemas.microsoft.com/office/drawing/2010/main" xmlns="" w="9525">
                 <a:solidFill>
                   <a:srgbClr val="000000"/>
                 </a:solidFill>
@@ -7796,7 +7714,7 @@
           </a:ln>
           <a:extLst>
             <a:ext uri="{91240B29-F687-4F45-9708-019B960494DF}">
-              <a14:hiddenLine xmlns:a14="http://schemas.microsoft.com/office/drawing/2010/main" w="9525">
+              <a14:hiddenLine xmlns:a14="http://schemas.microsoft.com/office/drawing/2010/main" xmlns="" w="9525">
                 <a:solidFill>
                   <a:srgbClr val="000000"/>
                 </a:solidFill>
@@ -8230,7 +8148,7 @@
           <p:nvPr>
             <p:extLst>
               <p:ext uri="{D42A27DB-BD31-4B8C-83A1-F6EECF244321}">
-                <p14:modId xmlns:p14="http://schemas.microsoft.com/office/powerpoint/2010/main" val="1861102703"/>
+                <p14:modId xmlns:p14="http://schemas.microsoft.com/office/powerpoint/2010/main" xmlns="" val="1861102703"/>
               </p:ext>
             </p:extLst>
           </p:nvPr>
@@ -8248,7 +8166,7 @@
     </p:spTree>
     <p:extLst>
       <p:ext uri="{BB962C8B-B14F-4D97-AF65-F5344CB8AC3E}">
-        <p14:creationId xmlns:p14="http://schemas.microsoft.com/office/powerpoint/2010/main" val="535469550"/>
+        <p14:creationId xmlns:p14="http://schemas.microsoft.com/office/powerpoint/2010/main" xmlns="" val="535469550"/>
       </p:ext>
     </p:extLst>
   </p:cSld>
@@ -8359,11 +8277,7 @@
             <a:pPr lvl="1"/>
             <a:r>
               <a:rPr lang="nl-NL" dirty="0" smtClean="0"/>
-              <a:t>Verwacht: voor </a:t>
-            </a:r>
-            <a:r>
-              <a:rPr lang="nl-NL" dirty="0" smtClean="0"/>
-              <a:t>grotere instanties beter</a:t>
+              <a:t>Verwacht: voor grotere instanties beter</a:t>
             </a:r>
           </a:p>
           <a:p>
@@ -8380,11 +8294,7 @@
             </a:r>
             <a:r>
               <a:rPr lang="nl-NL" dirty="0" smtClean="0"/>
-              <a:t> </a:t>
-            </a:r>
-            <a:r>
-              <a:rPr lang="nl-NL" dirty="0" smtClean="0"/>
-              <a:t>is bij grote instanties altijd sneller dan </a:t>
+              <a:t> is bij grote instanties altijd sneller dan </a:t>
             </a:r>
             <a:r>
               <a:rPr lang="nl-NL" dirty="0" err="1" smtClean="0"/>
@@ -8400,7 +8310,7 @@
     </p:spTree>
     <p:extLst>
       <p:ext uri="{BB962C8B-B14F-4D97-AF65-F5344CB8AC3E}">
-        <p14:creationId xmlns:p14="http://schemas.microsoft.com/office/powerpoint/2010/main" val="1782265712"/>
+        <p14:creationId xmlns:p14="http://schemas.microsoft.com/office/powerpoint/2010/main" xmlns="" val="1782265712"/>
       </p:ext>
     </p:extLst>
   </p:cSld>
@@ -8710,9 +8620,68 @@
           <a:bodyPr/>
           <a:lstStyle/>
           <a:p>
+            <a:endParaRPr lang="nl-NL" dirty="0" smtClean="0"/>
+          </a:p>
+          <a:p>
+            <a:r>
+              <a:rPr lang="nl-NL" dirty="0" err="1" smtClean="0"/>
+              <a:t>SampLP</a:t>
+            </a:r>
             <a:r>
               <a:rPr lang="nl-NL" dirty="0" smtClean="0"/>
-              <a:t>Kleine dimensies =&gt; groot voordeel</a:t>
+              <a:t> sneller dan </a:t>
+            </a:r>
+            <a:r>
+              <a:rPr lang="nl-NL" dirty="0" err="1" smtClean="0"/>
+              <a:t>IterSampLP</a:t>
+            </a:r>
+            <a:r>
+              <a:rPr lang="nl-NL" dirty="0" smtClean="0"/>
+              <a:t> &amp; Simplex</a:t>
+            </a:r>
+          </a:p>
+          <a:p>
+            <a:r>
+              <a:rPr lang="nl-NL" dirty="0" err="1" smtClean="0"/>
+              <a:t>IterSampLP</a:t>
+            </a:r>
+            <a:r>
+              <a:rPr lang="nl-NL" dirty="0" smtClean="0"/>
+              <a:t> niet beter dan Simplex</a:t>
+            </a:r>
+          </a:p>
+          <a:p>
+            <a:pPr lvl="1"/>
+            <a:r>
+              <a:rPr lang="nl-NL" dirty="0" smtClean="0"/>
+              <a:t>Verwacht: voor grotere instanties beter</a:t>
+            </a:r>
+          </a:p>
+          <a:p>
+            <a:pPr lvl="1"/>
+            <a:r>
+              <a:rPr lang="nl-NL" dirty="0" smtClean="0"/>
+              <a:t>Efficiëntere implementatie van wegen</a:t>
+            </a:r>
+          </a:p>
+          <a:p>
+            <a:endParaRPr lang="nl-NL" dirty="0" smtClean="0"/>
+          </a:p>
+          <a:p>
+            <a:endParaRPr lang="nl-NL" dirty="0" smtClean="0"/>
+          </a:p>
+          <a:p>
+            <a:r>
+              <a:rPr lang="nl-NL" dirty="0" smtClean="0"/>
+              <a:t>Dus k</a:t>
+            </a:r>
+            <a:r>
+              <a:rPr lang="nl-NL" dirty="0" smtClean="0"/>
+              <a:t>leine </a:t>
+            </a:r>
+            <a:r>
+              <a:rPr lang="nl-NL" dirty="0" smtClean="0"/>
+              <a:t>dimensies =&gt; groot voordeel</a:t>
             </a:r>
           </a:p>
           <a:p>
@@ -8726,8 +8695,15 @@
             </a:r>
             <a:r>
               <a:rPr lang="nl-NL" dirty="0" smtClean="0"/>
-              <a:t> is beter</a:t>
-            </a:r>
+              <a:t> is </a:t>
+            </a:r>
+            <a:r>
+              <a:rPr lang="nl-NL" dirty="0" smtClean="0"/>
+              <a:t>beter</a:t>
+            </a:r>
+          </a:p>
+          <a:p>
+            <a:endParaRPr lang="nl-NL" dirty="0" smtClean="0"/>
           </a:p>
           <a:p>
             <a:pPr marL="0" indent="0">
@@ -8740,7 +8716,7 @@
     </p:spTree>
     <p:extLst>
       <p:ext uri="{BB962C8B-B14F-4D97-AF65-F5344CB8AC3E}">
-        <p14:creationId xmlns:p14="http://schemas.microsoft.com/office/powerpoint/2010/main" val="1776579017"/>
+        <p14:creationId xmlns:p14="http://schemas.microsoft.com/office/powerpoint/2010/main" xmlns="" val="1776579017"/>
       </p:ext>
     </p:extLst>
   </p:cSld>
@@ -8786,7 +8762,7 @@
                                         <p:tgtEl>
                                           <p:spTgt spid="3">
                                             <p:txEl>
-                                              <p:pRg st="0" end="0"/>
+                                              <p:pRg st="1" end="1"/>
                                             </p:txEl>
                                           </p:spTgt>
                                         </p:tgtEl>
@@ -8835,7 +8811,149 @@
                                         <p:tgtEl>
                                           <p:spTgt spid="3">
                                             <p:txEl>
-                                              <p:pRg st="1" end="1"/>
+                                              <p:pRg st="2" end="2"/>
+                                            </p:txEl>
+                                          </p:spTgt>
+                                        </p:tgtEl>
+                                        <p:attrNameLst>
+                                          <p:attrName>style.visibility</p:attrName>
+                                        </p:attrNameLst>
+                                      </p:cBhvr>
+                                      <p:to>
+                                        <p:strVal val="visible"/>
+                                      </p:to>
+                                    </p:set>
+                                  </p:childTnLst>
+                                </p:cTn>
+                              </p:par>
+                              <p:par>
+                                <p:cTn id="11" presetID="1" presetClass="entr" presetSubtype="0" fill="hold" grpId="0" nodeType="withEffect">
+                                  <p:stCondLst>
+                                    <p:cond delay="0"/>
+                                  </p:stCondLst>
+                                  <p:childTnLst>
+                                    <p:set>
+                                      <p:cBhvr>
+                                        <p:cTn id="12" dur="1" fill="hold">
+                                          <p:stCondLst>
+                                            <p:cond delay="0"/>
+                                          </p:stCondLst>
+                                        </p:cTn>
+                                        <p:tgtEl>
+                                          <p:spTgt spid="3">
+                                            <p:txEl>
+                                              <p:pRg st="3" end="3"/>
+                                            </p:txEl>
+                                          </p:spTgt>
+                                        </p:tgtEl>
+                                        <p:attrNameLst>
+                                          <p:attrName>style.visibility</p:attrName>
+                                        </p:attrNameLst>
+                                      </p:cBhvr>
+                                      <p:to>
+                                        <p:strVal val="visible"/>
+                                      </p:to>
+                                    </p:set>
+                                  </p:childTnLst>
+                                </p:cTn>
+                              </p:par>
+                              <p:par>
+                                <p:cTn id="13" presetID="1" presetClass="entr" presetSubtype="0" fill="hold" grpId="0" nodeType="withEffect">
+                                  <p:stCondLst>
+                                    <p:cond delay="0"/>
+                                  </p:stCondLst>
+                                  <p:childTnLst>
+                                    <p:set>
+                                      <p:cBhvr>
+                                        <p:cTn id="14" dur="1" fill="hold">
+                                          <p:stCondLst>
+                                            <p:cond delay="0"/>
+                                          </p:stCondLst>
+                                        </p:cTn>
+                                        <p:tgtEl>
+                                          <p:spTgt spid="3">
+                                            <p:txEl>
+                                              <p:pRg st="4" end="4"/>
+                                            </p:txEl>
+                                          </p:spTgt>
+                                        </p:tgtEl>
+                                        <p:attrNameLst>
+                                          <p:attrName>style.visibility</p:attrName>
+                                        </p:attrNameLst>
+                                      </p:cBhvr>
+                                      <p:to>
+                                        <p:strVal val="visible"/>
+                                      </p:to>
+                                    </p:set>
+                                  </p:childTnLst>
+                                </p:cTn>
+                              </p:par>
+                            </p:childTnLst>
+                          </p:cTn>
+                        </p:par>
+                      </p:childTnLst>
+                    </p:cTn>
+                  </p:par>
+                  <p:par>
+                    <p:cTn id="15" fill="hold">
+                      <p:stCondLst>
+                        <p:cond delay="indefinite"/>
+                      </p:stCondLst>
+                      <p:childTnLst>
+                        <p:par>
+                          <p:cTn id="16" fill="hold">
+                            <p:stCondLst>
+                              <p:cond delay="0"/>
+                            </p:stCondLst>
+                            <p:childTnLst>
+                              <p:par>
+                                <p:cTn id="17" presetID="1" presetClass="entr" presetSubtype="0" fill="hold" grpId="0" nodeType="clickEffect">
+                                  <p:stCondLst>
+                                    <p:cond delay="0"/>
+                                  </p:stCondLst>
+                                  <p:childTnLst>
+                                    <p:set>
+                                      <p:cBhvr>
+                                        <p:cTn id="18" dur="1" fill="hold">
+                                          <p:stCondLst>
+                                            <p:cond delay="0"/>
+                                          </p:stCondLst>
+                                        </p:cTn>
+                                        <p:tgtEl>
+                                          <p:spTgt spid="3">
+                                            <p:txEl>
+                                              <p:pRg st="7" end="7"/>
+                                            </p:txEl>
+                                          </p:spTgt>
+                                        </p:tgtEl>
+                                        <p:attrNameLst>
+                                          <p:attrName>style.visibility</p:attrName>
+                                        </p:attrNameLst>
+                                      </p:cBhvr>
+                                      <p:to>
+                                        <p:strVal val="visible"/>
+                                      </p:to>
+                                    </p:set>
+                                  </p:childTnLst>
+                                </p:cTn>
+                              </p:par>
+                              <p:par>
+                                <p:cTn id="19" presetID="1" presetClass="entr" presetSubtype="0" fill="hold" grpId="0" nodeType="withEffect">
+                                  <p:stCondLst>
+                                    <p:cond delay="0"/>
+                                  </p:stCondLst>
+                                  <p:childTnLst>
+                                    <p:set>
+                                      <p:cBhvr>
+                                        <p:cTn id="20" dur="1" fill="hold">
+                                          <p:stCondLst>
+                                            <p:cond delay="0"/>
+                                          </p:stCondLst>
+                                        </p:cTn>
+                                        <p:tgtEl>
+                                          <p:spTgt spid="3">
+                                            <p:txEl>
+                                              <p:pRg st="8" end="8"/>
                                             </p:txEl>
                                           </p:spTgt>
                                         </p:tgtEl>
@@ -9035,10 +9153,10 @@
             <p:nvPr/>
           </p:nvPicPr>
           <p:blipFill>
-            <a:blip r:embed="rId3">
+            <a:blip r:embed="rId3" cstate="print">
               <a:extLst>
                 <a:ext uri="{28A0092B-C50C-407E-A947-70E740481C1C}">
-                  <a14:useLocalDpi xmlns:a14="http://schemas.microsoft.com/office/drawing/2010/main" val="0"/>
+                  <a14:useLocalDpi xmlns:a14="http://schemas.microsoft.com/office/drawing/2010/main" xmlns="" val="0"/>
                 </a:ext>
               </a:extLst>
             </a:blip>
@@ -9058,7 +9176,7 @@
             <a:noFill/>
             <a:extLst>
               <a:ext uri="{909E8E84-426E-40DD-AFC4-6F175D3DCCD1}">
-                <a14:hiddenFill xmlns:a14="http://schemas.microsoft.com/office/drawing/2010/main">
+                <a14:hiddenFill xmlns:a14="http://schemas.microsoft.com/office/drawing/2010/main" xmlns="">
                   <a:solidFill>
                     <a:srgbClr val="FFFFFF"/>
                   </a:solidFill>
@@ -9111,7 +9229,7 @@
     </p:spTree>
     <p:extLst>
       <p:ext uri="{BB962C8B-B14F-4D97-AF65-F5344CB8AC3E}">
-        <p14:creationId xmlns:p14="http://schemas.microsoft.com/office/powerpoint/2010/main" val="798093730"/>
+        <p14:creationId xmlns:p14="http://schemas.microsoft.com/office/powerpoint/2010/main" xmlns="" val="798093730"/>
       </p:ext>
     </p:extLst>
   </p:cSld>
@@ -9277,15 +9395,7 @@
             </a:pPr>
             <a:r>
               <a:rPr lang="nl-NL" dirty="0" smtClean="0"/>
-              <a:t>Met voorwaarde	</a:t>
-            </a:r>
-            <a:r>
-              <a:rPr lang="nl-NL" dirty="0" smtClean="0"/>
-              <a:t>	Ax </a:t>
-            </a:r>
-            <a:r>
-              <a:rPr lang="nl-NL" dirty="0" smtClean="0"/>
-              <a:t>= b</a:t>
+              <a:t>Met voorwaarde		Ax = b</a:t>
             </a:r>
           </a:p>
           <a:p>
@@ -9298,11 +9408,7 @@
             </a:r>
             <a:r>
               <a:rPr lang="nl-NL" dirty="0" smtClean="0"/>
-              <a:t>en</a:t>
-            </a:r>
-            <a:r>
-              <a:rPr lang="nl-NL" dirty="0" smtClean="0"/>
-              <a:t>		x ≥ 0 </a:t>
+              <a:t>en		x ≥ 0 </a:t>
             </a:r>
           </a:p>
           <a:p>
@@ -9325,7 +9431,7 @@
     </p:spTree>
     <p:extLst>
       <p:ext uri="{BB962C8B-B14F-4D97-AF65-F5344CB8AC3E}">
-        <p14:creationId xmlns:p14="http://schemas.microsoft.com/office/powerpoint/2010/main" val="897476014"/>
+        <p14:creationId xmlns:p14="http://schemas.microsoft.com/office/powerpoint/2010/main" xmlns="" val="897476014"/>
       </p:ext>
     </p:extLst>
   </p:cSld>
@@ -9391,10 +9497,10 @@
           <p:nvPr/>
         </p:nvPicPr>
         <p:blipFill>
-          <a:blip r:embed="rId3">
+          <a:blip r:embed="rId3" cstate="print">
             <a:extLst>
               <a:ext uri="{28A0092B-C50C-407E-A947-70E740481C1C}">
-                <a14:useLocalDpi xmlns:a14="http://schemas.microsoft.com/office/drawing/2010/main" val="0"/>
+                <a14:useLocalDpi xmlns:a14="http://schemas.microsoft.com/office/drawing/2010/main" xmlns="" val="0"/>
               </a:ext>
             </a:extLst>
           </a:blip>
@@ -9414,7 +9520,7 @@
           <a:noFill/>
           <a:extLst>
             <a:ext uri="{909E8E84-426E-40DD-AFC4-6F175D3DCCD1}">
-              <a14:hiddenFill xmlns:a14="http://schemas.microsoft.com/office/drawing/2010/main">
+              <a14:hiddenFill xmlns:a14="http://schemas.microsoft.com/office/drawing/2010/main" xmlns="">
                 <a:solidFill>
                   <a:srgbClr val="FFFFFF"/>
                 </a:solidFill>
@@ -9456,7 +9562,7 @@
     </p:spTree>
     <p:extLst>
       <p:ext uri="{BB962C8B-B14F-4D97-AF65-F5344CB8AC3E}">
-        <p14:creationId xmlns:p14="http://schemas.microsoft.com/office/powerpoint/2010/main" val="4282525004"/>
+        <p14:creationId xmlns:p14="http://schemas.microsoft.com/office/powerpoint/2010/main" xmlns="" val="4282525004"/>
       </p:ext>
     </p:extLst>
   </p:cSld>
@@ -9553,11 +9659,7 @@
           <a:p>
             <a:r>
               <a:rPr lang="nl-NL" dirty="0" smtClean="0"/>
-              <a:t>Bij </a:t>
-            </a:r>
-            <a:r>
-              <a:rPr lang="nl-NL" dirty="0" smtClean="0"/>
-              <a:t>klein aantal variabelen (d) </a:t>
+              <a:t>Bij klein aantal variabelen (d) </a:t>
             </a:r>
             <a:r>
               <a:rPr lang="nl-NL" dirty="0" err="1" smtClean="0"/>
@@ -9565,11 +9667,7 @@
             </a:r>
             <a:r>
               <a:rPr lang="nl-NL" dirty="0" smtClean="0"/>
-              <a:t> </a:t>
-            </a:r>
-            <a:r>
-              <a:rPr lang="nl-NL" dirty="0" smtClean="0"/>
-              <a:t>aantal voorwaarden (n)</a:t>
+              <a:t> aantal voorwaarden (n)</a:t>
             </a:r>
           </a:p>
           <a:p>
@@ -9606,10 +9704,10 @@
           <p:nvPr/>
         </p:nvPicPr>
         <p:blipFill>
-          <a:blip r:embed="rId3">
+          <a:blip r:embed="rId3" cstate="print">
             <a:extLst>
               <a:ext uri="{28A0092B-C50C-407E-A947-70E740481C1C}">
-                <a14:useLocalDpi xmlns:a14="http://schemas.microsoft.com/office/drawing/2010/main" val="0"/>
+                <a14:useLocalDpi xmlns:a14="http://schemas.microsoft.com/office/drawing/2010/main" xmlns="" val="0"/>
               </a:ext>
             </a:extLst>
           </a:blip>
@@ -9629,7 +9727,7 @@
           <a:noFill/>
           <a:extLst>
             <a:ext uri="{909E8E84-426E-40DD-AFC4-6F175D3DCCD1}">
-              <a14:hiddenFill xmlns:a14="http://schemas.microsoft.com/office/drawing/2010/main">
+              <a14:hiddenFill xmlns:a14="http://schemas.microsoft.com/office/drawing/2010/main" xmlns="">
                 <a:solidFill>
                   <a:srgbClr val="FFFFFF"/>
                 </a:solidFill>
@@ -9641,7 +9739,7 @@
     </p:spTree>
     <p:extLst>
       <p:ext uri="{BB962C8B-B14F-4D97-AF65-F5344CB8AC3E}">
-        <p14:creationId xmlns:p14="http://schemas.microsoft.com/office/powerpoint/2010/main" val="3152339212"/>
+        <p14:creationId xmlns:p14="http://schemas.microsoft.com/office/powerpoint/2010/main" xmlns="" val="3152339212"/>
       </p:ext>
     </p:extLst>
   </p:cSld>
@@ -10109,7 +10207,7 @@
         <p:spPr>
           <a:xfrm>
             <a:off x="4051752" y="2193251"/>
-            <a:ext cx="5262432" cy="3939540"/>
+            <a:ext cx="5262432" cy="3877985"/>
           </a:xfrm>
           <a:prstGeom prst="rect">
             <a:avLst/>
@@ -10128,21 +10226,39 @@
             </a:r>
             <a:r>
               <a:rPr lang="nl-NL" sz="2200" dirty="0" smtClean="0"/>
-              <a:t>    # voorwaarden &gt; 0</a:t>
-            </a:r>
+              <a:t>    </a:t>
+            </a:r>
+            <a:endParaRPr lang="nl-NL" sz="2200" dirty="0" smtClean="0"/>
           </a:p>
           <a:p>
             <a:r>
               <a:rPr lang="nl-NL" sz="2200" dirty="0" smtClean="0"/>
-              <a:t>R = willekeurige  (gewogen) </a:t>
-            </a:r>
-            <a:r>
-              <a:rPr lang="nl-NL" sz="2200" dirty="0" err="1" smtClean="0"/>
-              <a:t>subset</a:t>
+              <a:t> </a:t>
             </a:r>
             <a:r>
               <a:rPr lang="nl-NL" sz="2200" dirty="0" smtClean="0"/>
-              <a:t>  </a:t>
+              <a:t>    </a:t>
+            </a:r>
+            <a:r>
+              <a:rPr lang="nl-NL" sz="2200" dirty="0" smtClean="0"/>
+              <a:t># onware voorwaarden </a:t>
+            </a:r>
+            <a:r>
+              <a:rPr lang="nl-NL" sz="2200" dirty="0" smtClean="0"/>
+              <a:t>&gt; 0</a:t>
+            </a:r>
+          </a:p>
+          <a:p>
+            <a:endParaRPr lang="nl-NL" sz="2200" dirty="0" smtClean="0"/>
+          </a:p>
+          <a:p>
+            <a:r>
+              <a:rPr lang="nl-NL" sz="2200" dirty="0" smtClean="0"/>
+              <a:t>R </a:t>
+            </a:r>
+            <a:r>
+              <a:rPr lang="nl-NL" sz="2200" dirty="0" smtClean="0"/>
+              <a:t>= willekeurige  (gewogen) subset  </a:t>
             </a:r>
           </a:p>
           <a:p>
@@ -10172,7 +10288,11 @@
           <a:p>
             <a:r>
               <a:rPr lang="nl-NL" sz="2200" dirty="0" smtClean="0"/>
-              <a:t>Verdubbel het gewicht van      </a:t>
+              <a:t>Verdubbel </a:t>
+            </a:r>
+            <a:r>
+              <a:rPr lang="nl-NL" sz="2200" dirty="0" smtClean="0"/>
+              <a:t>het gewicht van      </a:t>
             </a:r>
           </a:p>
           <a:p>
@@ -10182,26 +10302,20 @@
             </a:r>
             <a:r>
               <a:rPr lang="nl-NL" sz="2200" dirty="0" smtClean="0"/>
-              <a:t> voorwaarden die  onwaar zijn voor x</a:t>
-            </a:r>
-          </a:p>
-          <a:p>
+              <a:t> voorwaarden die  onwaar zijn voor </a:t>
+            </a:r>
             <a:r>
               <a:rPr lang="nl-NL" sz="2200" dirty="0" smtClean="0"/>
-              <a:t>Verwijder voorwaarden die </a:t>
-            </a:r>
-          </a:p>
-          <a:p>
-            <a:r>
-              <a:rPr lang="nl-NL" sz="2200" dirty="0" smtClean="0"/>
-              <a:t>  waar zijn voor x</a:t>
-            </a:r>
+              <a:t>x</a:t>
+            </a:r>
+            <a:endParaRPr lang="nl-NL" sz="2200" b="1" dirty="0" smtClean="0"/>
           </a:p>
           <a:p>
             <a:r>
               <a:rPr lang="nl-NL" sz="2200" b="1" dirty="0" smtClean="0"/>
               <a:t>End</a:t>
             </a:r>
+            <a:endParaRPr lang="nl-NL" sz="2200" b="1" dirty="0" smtClean="0"/>
           </a:p>
           <a:p>
             <a:endParaRPr lang="nl-NL" sz="2600" b="1" dirty="0" smtClean="0"/>
@@ -10224,7 +10338,7 @@
         <p:spPr>
           <a:xfrm>
             <a:off x="0" y="2193251"/>
-            <a:ext cx="4051752" cy="3816429"/>
+            <a:ext cx="4051752" cy="3847207"/>
           </a:xfrm>
           <a:prstGeom prst="rect">
             <a:avLst/>
@@ -10242,21 +10356,31 @@
             </a:r>
             <a:r>
               <a:rPr lang="nl-NL" sz="2200" dirty="0" smtClean="0"/>
-              <a:t>    # voorwaarden &gt; 0</a:t>
-            </a:r>
+              <a:t> </a:t>
+            </a:r>
+            <a:endParaRPr lang="nl-NL" sz="2200" dirty="0" smtClean="0"/>
           </a:p>
           <a:p>
             <a:r>
               <a:rPr lang="nl-NL" sz="2200" dirty="0" smtClean="0"/>
-              <a:t>R = willekeurige </a:t>
-            </a:r>
-            <a:r>
-              <a:rPr lang="nl-NL" sz="2200" dirty="0" err="1" smtClean="0"/>
-              <a:t>subset</a:t>
+              <a:t>   # onware voorwaarden </a:t>
             </a:r>
             <a:r>
               <a:rPr lang="nl-NL" sz="2200" dirty="0" smtClean="0"/>
-              <a:t> </a:t>
+              <a:t>&gt; 0</a:t>
+            </a:r>
+          </a:p>
+          <a:p>
+            <a:endParaRPr lang="nl-NL" sz="2200" dirty="0" smtClean="0"/>
+          </a:p>
+          <a:p>
+            <a:r>
+              <a:rPr lang="nl-NL" sz="2200" dirty="0" smtClean="0"/>
+              <a:t>R </a:t>
+            </a:r>
+            <a:r>
+              <a:rPr lang="nl-NL" sz="2200" dirty="0" smtClean="0"/>
+              <a:t>= willekeurige subset </a:t>
             </a:r>
           </a:p>
           <a:p>
@@ -10280,36 +10404,37 @@
             </a:r>
             <a:r>
               <a:rPr lang="nl-NL" sz="2200" dirty="0" smtClean="0"/>
-              <a:t> ( R )</a:t>
-            </a:r>
-          </a:p>
-          <a:p>
+              <a:t> ( </a:t>
+            </a:r>
+            <a:r>
+              <a:rPr lang="nl-NL" sz="2200" dirty="0" smtClean="0"/>
+              <a:t>R + S </a:t>
+            </a:r>
+            <a:r>
+              <a:rPr lang="nl-NL" sz="2200" dirty="0" smtClean="0"/>
+              <a:t>)</a:t>
+            </a:r>
+          </a:p>
+          <a:p>
+            <a:r>
+              <a:rPr lang="nl-NL" sz="2200" dirty="0" smtClean="0"/>
+              <a:t>S=S </a:t>
+            </a:r>
+            <a:r>
+              <a:rPr lang="nl-NL" sz="2400" dirty="0" smtClean="0"/>
+              <a:t>+ onware voorwaarden</a:t>
+            </a:r>
             <a:endParaRPr lang="nl-NL" sz="2200" dirty="0" smtClean="0"/>
           </a:p>
           <a:p>
-            <a:endParaRPr lang="nl-NL" sz="2200" dirty="0" smtClean="0"/>
-          </a:p>
-          <a:p>
-            <a:r>
-              <a:rPr lang="nl-NL" sz="2200" dirty="0" smtClean="0"/>
-              <a:t>Verwijder voorwaarden die</a:t>
-            </a:r>
-          </a:p>
-          <a:p>
-            <a:r>
-              <a:rPr lang="nl-NL" sz="2200" dirty="0"/>
-              <a:t> </a:t>
-            </a:r>
-            <a:r>
-              <a:rPr lang="nl-NL" sz="2200" dirty="0" smtClean="0"/>
-              <a:t> waar zijn voor x</a:t>
-            </a:r>
+            <a:endParaRPr lang="nl-NL" sz="2200" b="1" dirty="0" smtClean="0"/>
           </a:p>
           <a:p>
             <a:r>
               <a:rPr lang="nl-NL" sz="2200" b="1" dirty="0" smtClean="0"/>
               <a:t>End</a:t>
             </a:r>
+            <a:endParaRPr lang="nl-NL" sz="2200" b="1" dirty="0" smtClean="0"/>
           </a:p>
           <a:p>
             <a:endParaRPr lang="nl-NL" sz="2200" dirty="0" smtClean="0"/>
@@ -10362,7 +10487,7 @@
     </p:spTree>
     <p:extLst>
       <p:ext uri="{BB962C8B-B14F-4D97-AF65-F5344CB8AC3E}">
-        <p14:creationId xmlns:p14="http://schemas.microsoft.com/office/powerpoint/2010/main" val="3446791518"/>
+        <p14:creationId xmlns:p14="http://schemas.microsoft.com/office/powerpoint/2010/main" xmlns="" val="3446791518"/>
       </p:ext>
     </p:extLst>
   </p:cSld>
@@ -10769,6 +10894,10 @@
             <a:endParaRPr lang="nl-NL" dirty="0"/>
           </a:p>
           <a:p>
+            <a:r>
+              <a:rPr lang="nl-NL" dirty="0" smtClean="0"/>
+              <a:t>Voorwaarden controleren:	O(dn)</a:t>
+            </a:r>
             <a:endParaRPr lang="nl-NL" dirty="0" smtClean="0"/>
           </a:p>
           <a:p>
@@ -10778,7 +10907,23 @@
             </a:r>
             <a:r>
               <a:rPr lang="nl-NL" dirty="0" smtClean="0"/>
-              <a:t>: O(d</a:t>
+              <a:t>: </a:t>
+            </a:r>
+            <a:endParaRPr lang="nl-NL" dirty="0" smtClean="0"/>
+          </a:p>
+          <a:p>
+            <a:pPr lvl="1"/>
+            <a:r>
+              <a:rPr lang="nl-NL" dirty="0" smtClean="0"/>
+              <a:t>d keer</a:t>
+            </a:r>
+            <a:endParaRPr lang="nl-NL" dirty="0" smtClean="0"/>
+          </a:p>
+          <a:p>
+            <a:pPr lvl="1"/>
+            <a:r>
+              <a:rPr lang="nl-NL" dirty="0" smtClean="0"/>
+              <a:t>O(d</a:t>
             </a:r>
             <a:r>
               <a:rPr lang="nl-NL" baseline="30000" dirty="0" smtClean="0"/>
@@ -10786,7 +10931,11 @@
             </a:r>
             <a:r>
               <a:rPr lang="nl-NL" dirty="0" smtClean="0"/>
-              <a:t>n)+log (n/d</a:t>
+              <a:t>n</a:t>
+            </a:r>
+            <a:r>
+              <a:rPr lang="nl-NL" dirty="0" smtClean="0"/>
+              <a:t>)+log (n/d</a:t>
             </a:r>
             <a:r>
               <a:rPr lang="nl-NL" baseline="30000" dirty="0" smtClean="0"/>
@@ -10812,7 +10961,30 @@
             </a:r>
             <a:r>
               <a:rPr lang="nl-NL" dirty="0" smtClean="0"/>
-              <a:t>: O(d</a:t>
+              <a:t>: </a:t>
+            </a:r>
+            <a:endParaRPr lang="nl-NL" dirty="0" smtClean="0"/>
+          </a:p>
+          <a:p>
+            <a:pPr lvl="1"/>
+            <a:r>
+              <a:rPr lang="nl-NL" dirty="0" err="1" smtClean="0"/>
+              <a:t>d</a:t>
+            </a:r>
+            <a:r>
+              <a:rPr lang="nl-NL" dirty="0" err="1" smtClean="0"/>
+              <a:t>log</a:t>
+            </a:r>
+            <a:r>
+              <a:rPr lang="nl-NL" dirty="0" smtClean="0"/>
+              <a:t>(n) keer </a:t>
+            </a:r>
+          </a:p>
+          <a:p>
+            <a:pPr lvl="1"/>
+            <a:r>
+              <a:rPr lang="nl-NL" dirty="0" smtClean="0"/>
+              <a:t>O(d</a:t>
             </a:r>
             <a:r>
               <a:rPr lang="nl-NL" baseline="30000" dirty="0" smtClean="0"/>
@@ -10820,7 +10992,11 @@
             </a:r>
             <a:r>
               <a:rPr lang="nl-NL" dirty="0" smtClean="0"/>
-              <a:t>nlog(n))+</a:t>
+              <a:t>nlog(n</a:t>
+            </a:r>
+            <a:r>
+              <a:rPr lang="nl-NL" dirty="0" smtClean="0"/>
+              <a:t>))+</a:t>
             </a:r>
             <a:r>
               <a:rPr lang="nl-NL" dirty="0" err="1" smtClean="0"/>
@@ -10837,7 +11013,7 @@
     </p:spTree>
     <p:extLst>
       <p:ext uri="{BB962C8B-B14F-4D97-AF65-F5344CB8AC3E}">
-        <p14:creationId xmlns:p14="http://schemas.microsoft.com/office/powerpoint/2010/main" val="3016492079"/>
+        <p14:creationId xmlns:p14="http://schemas.microsoft.com/office/powerpoint/2010/main" xmlns="" val="3016492079"/>
       </p:ext>
     </p:extLst>
   </p:cSld>
@@ -10898,6 +11074,37 @@
                                   </p:childTnLst>
                                 </p:cTn>
                               </p:par>
+                              <p:par>
+                                <p:cTn id="7" presetID="1" presetClass="entr" presetSubtype="0" fill="hold" grpId="0" nodeType="withEffect">
+                                  <p:stCondLst>
+                                    <p:cond delay="0"/>
+                                  </p:stCondLst>
+                                  <p:childTnLst>
+                                    <p:set>
+                                      <p:cBhvr>
+                                        <p:cTn id="8" dur="1" fill="hold">
+                                          <p:stCondLst>
+                                            <p:cond delay="0"/>
+                                          </p:stCondLst>
+                                        </p:cTn>
+                                        <p:tgtEl>
+                                          <p:spTgt spid="3">
+                                            <p:txEl>
+                                              <p:pRg st="1" end="1"/>
+                                            </p:txEl>
+                                          </p:spTgt>
+                                        </p:tgtEl>
+                                        <p:attrNameLst>
+                                          <p:attrName>style.visibility</p:attrName>
+                                        </p:attrNameLst>
+                                      </p:cBhvr>
+                                      <p:to>
+                                        <p:strVal val="visible"/>
+                                      </p:to>
+                                    </p:set>
+                                  </p:childTnLst>
+                                </p:cTn>
+                              </p:par>
                             </p:childTnLst>
                           </p:cTn>
                         </p:par>
@@ -10905,26 +11112,26 @@
                     </p:cTn>
                   </p:par>
                   <p:par>
-                    <p:cTn id="7" fill="hold">
+                    <p:cTn id="9" fill="hold">
                       <p:stCondLst>
                         <p:cond delay="indefinite"/>
                       </p:stCondLst>
                       <p:childTnLst>
                         <p:par>
-                          <p:cTn id="8" fill="hold">
+                          <p:cTn id="10" fill="hold">
                             <p:stCondLst>
                               <p:cond delay="0"/>
                             </p:stCondLst>
                             <p:childTnLst>
                               <p:par>
-                                <p:cTn id="9" presetID="1" presetClass="entr" presetSubtype="0" fill="hold" grpId="0" nodeType="clickEffect">
+                                <p:cTn id="11" presetID="1" presetClass="entr" presetSubtype="0" fill="hold" grpId="0" nodeType="clickEffect">
                                   <p:stCondLst>
                                     <p:cond delay="0"/>
                                   </p:stCondLst>
                                   <p:childTnLst>
                                     <p:set>
                                       <p:cBhvr>
-                                        <p:cTn id="10" dur="1" fill="hold">
+                                        <p:cTn id="12" dur="1" fill="hold">
                                           <p:stCondLst>
                                             <p:cond delay="0"/>
                                           </p:stCondLst>
@@ -10947,26 +11154,8 @@
                                   </p:childTnLst>
                                 </p:cTn>
                               </p:par>
-                            </p:childTnLst>
-                          </p:cTn>
-                        </p:par>
-                      </p:childTnLst>
-                    </p:cTn>
-                  </p:par>
-                  <p:par>
-                    <p:cTn id="11" fill="hold">
-                      <p:stCondLst>
-                        <p:cond delay="indefinite"/>
-                      </p:stCondLst>
-                      <p:childTnLst>
-                        <p:par>
-                          <p:cTn id="12" fill="hold">
-                            <p:stCondLst>
-                              <p:cond delay="0"/>
-                            </p:stCondLst>
-                            <p:childTnLst>
                               <p:par>
-                                <p:cTn id="13" presetID="1" presetClass="entr" presetSubtype="0" fill="hold" grpId="0" nodeType="clickEffect">
+                                <p:cTn id="13" presetID="1" presetClass="entr" presetSubtype="0" fill="hold" grpId="0" nodeType="withEffect">
                                   <p:stCondLst>
                                     <p:cond delay="0"/>
                                   </p:stCondLst>
@@ -10982,6 +11171,148 @@
                                           <p:spTgt spid="3">
                                             <p:txEl>
                                               <p:pRg st="3" end="3"/>
+                                            </p:txEl>
+                                          </p:spTgt>
+                                        </p:tgtEl>
+                                        <p:attrNameLst>
+                                          <p:attrName>style.visibility</p:attrName>
+                                        </p:attrNameLst>
+                                      </p:cBhvr>
+                                      <p:to>
+                                        <p:strVal val="visible"/>
+                                      </p:to>
+                                    </p:set>
+                                  </p:childTnLst>
+                                </p:cTn>
+                              </p:par>
+                              <p:par>
+                                <p:cTn id="15" presetID="1" presetClass="entr" presetSubtype="0" fill="hold" grpId="0" nodeType="withEffect">
+                                  <p:stCondLst>
+                                    <p:cond delay="0"/>
+                                  </p:stCondLst>
+                                  <p:childTnLst>
+                                    <p:set>
+                                      <p:cBhvr>
+                                        <p:cTn id="16" dur="1" fill="hold">
+                                          <p:stCondLst>
+                                            <p:cond delay="0"/>
+                                          </p:stCondLst>
+                                        </p:cTn>
+                                        <p:tgtEl>
+                                          <p:spTgt spid="3">
+                                            <p:txEl>
+                                              <p:pRg st="4" end="4"/>
+                                            </p:txEl>
+                                          </p:spTgt>
+                                        </p:tgtEl>
+                                        <p:attrNameLst>
+                                          <p:attrName>style.visibility</p:attrName>
+                                        </p:attrNameLst>
+                                      </p:cBhvr>
+                                      <p:to>
+                                        <p:strVal val="visible"/>
+                                      </p:to>
+                                    </p:set>
+                                  </p:childTnLst>
+                                </p:cTn>
+                              </p:par>
+                            </p:childTnLst>
+                          </p:cTn>
+                        </p:par>
+                      </p:childTnLst>
+                    </p:cTn>
+                  </p:par>
+                  <p:par>
+                    <p:cTn id="17" fill="hold">
+                      <p:stCondLst>
+                        <p:cond delay="indefinite"/>
+                      </p:stCondLst>
+                      <p:childTnLst>
+                        <p:par>
+                          <p:cTn id="18" fill="hold">
+                            <p:stCondLst>
+                              <p:cond delay="0"/>
+                            </p:stCondLst>
+                            <p:childTnLst>
+                              <p:par>
+                                <p:cTn id="19" presetID="1" presetClass="entr" presetSubtype="0" fill="hold" grpId="0" nodeType="clickEffect">
+                                  <p:stCondLst>
+                                    <p:cond delay="0"/>
+                                  </p:stCondLst>
+                                  <p:childTnLst>
+                                    <p:set>
+                                      <p:cBhvr>
+                                        <p:cTn id="20" dur="1" fill="hold">
+                                          <p:stCondLst>
+                                            <p:cond delay="0"/>
+                                          </p:stCondLst>
+                                        </p:cTn>
+                                        <p:tgtEl>
+                                          <p:spTgt spid="3">
+                                            <p:txEl>
+                                              <p:pRg st="5" end="5"/>
+                                            </p:txEl>
+                                          </p:spTgt>
+                                        </p:tgtEl>
+                                        <p:attrNameLst>
+                                          <p:attrName>style.visibility</p:attrName>
+                                        </p:attrNameLst>
+                                      </p:cBhvr>
+                                      <p:to>
+                                        <p:strVal val="visible"/>
+                                      </p:to>
+                                    </p:set>
+                                  </p:childTnLst>
+                                </p:cTn>
+                              </p:par>
+                              <p:par>
+                                <p:cTn id="21" presetID="1" presetClass="entr" presetSubtype="0" fill="hold" grpId="0" nodeType="withEffect">
+                                  <p:stCondLst>
+                                    <p:cond delay="0"/>
+                                  </p:stCondLst>
+                                  <p:childTnLst>
+                                    <p:set>
+                                      <p:cBhvr>
+                                        <p:cTn id="22" dur="1" fill="hold">
+                                          <p:stCondLst>
+                                            <p:cond delay="0"/>
+                                          </p:stCondLst>
+                                        </p:cTn>
+                                        <p:tgtEl>
+                                          <p:spTgt spid="3">
+                                            <p:txEl>
+                                              <p:pRg st="6" end="6"/>
+                                            </p:txEl>
+                                          </p:spTgt>
+                                        </p:tgtEl>
+                                        <p:attrNameLst>
+                                          <p:attrName>style.visibility</p:attrName>
+                                        </p:attrNameLst>
+                                      </p:cBhvr>
+                                      <p:to>
+                                        <p:strVal val="visible"/>
+                                      </p:to>
+                                    </p:set>
+                                  </p:childTnLst>
+                                </p:cTn>
+                              </p:par>
+                              <p:par>
+                                <p:cTn id="23" presetID="1" presetClass="entr" presetSubtype="0" fill="hold" grpId="0" nodeType="withEffect">
+                                  <p:stCondLst>
+                                    <p:cond delay="0"/>
+                                  </p:stCondLst>
+                                  <p:childTnLst>
+                                    <p:set>
+                                      <p:cBhvr>
+                                        <p:cTn id="24" dur="1" fill="hold">
+                                          <p:stCondLst>
+                                            <p:cond delay="0"/>
+                                          </p:stCondLst>
+                                        </p:cTn>
+                                        <p:tgtEl>
+                                          <p:spTgt spid="3">
+                                            <p:txEl>
+                                              <p:pRg st="7" end="7"/>
                                             </p:txEl>
                                           </p:spTgt>
                                         </p:tgtEl>
@@ -11024,7 +11355,7 @@
       </p:par>
     </p:tnLst>
     <p:bldLst>
-      <p:bldP spid="3" grpId="0" uiExpand="1" build="p"/>
+      <p:bldP spid="3" grpId="0" build="p"/>
     </p:bldLst>
   </p:timing>
 </p:sld>
@@ -11079,10 +11410,10 @@
           <p:nvPr/>
         </p:nvPicPr>
         <p:blipFill>
-          <a:blip r:embed="rId3">
+          <a:blip r:embed="rId3" cstate="print">
             <a:extLst>
               <a:ext uri="{28A0092B-C50C-407E-A947-70E740481C1C}">
-                <a14:useLocalDpi xmlns:a14="http://schemas.microsoft.com/office/drawing/2010/main" val="0"/>
+                <a14:useLocalDpi xmlns:a14="http://schemas.microsoft.com/office/drawing/2010/main" xmlns="" val="0"/>
               </a:ext>
             </a:extLst>
           </a:blip>
@@ -11102,7 +11433,7 @@
           <a:noFill/>
           <a:extLst>
             <a:ext uri="{909E8E84-426E-40DD-AFC4-6F175D3DCCD1}">
-              <a14:hiddenFill xmlns:a14="http://schemas.microsoft.com/office/drawing/2010/main">
+              <a14:hiddenFill xmlns:a14="http://schemas.microsoft.com/office/drawing/2010/main" xmlns="">
                 <a:solidFill>
                   <a:srgbClr val="FFFFFF"/>
                 </a:solidFill>
@@ -11120,10 +11451,10 @@
           <p:nvPr/>
         </p:nvPicPr>
         <p:blipFill>
-          <a:blip r:embed="rId4">
+          <a:blip r:embed="rId4" cstate="print">
             <a:extLst>
               <a:ext uri="{28A0092B-C50C-407E-A947-70E740481C1C}">
-                <a14:useLocalDpi xmlns:a14="http://schemas.microsoft.com/office/drawing/2010/main" val="0"/>
+                <a14:useLocalDpi xmlns:a14="http://schemas.microsoft.com/office/drawing/2010/main" xmlns="" val="0"/>
               </a:ext>
             </a:extLst>
           </a:blip>
@@ -11143,7 +11474,7 @@
           <a:noFill/>
           <a:extLst>
             <a:ext uri="{909E8E84-426E-40DD-AFC4-6F175D3DCCD1}">
-              <a14:hiddenFill xmlns:a14="http://schemas.microsoft.com/office/drawing/2010/main">
+              <a14:hiddenFill xmlns:a14="http://schemas.microsoft.com/office/drawing/2010/main" xmlns="">
                 <a:solidFill>
                   <a:srgbClr val="FFFFFF"/>
                 </a:solidFill>
@@ -11227,7 +11558,7 @@
     </p:spTree>
     <p:extLst>
       <p:ext uri="{BB962C8B-B14F-4D97-AF65-F5344CB8AC3E}">
-        <p14:creationId xmlns:p14="http://schemas.microsoft.com/office/powerpoint/2010/main" val="1169530885"/>
+        <p14:creationId xmlns:p14="http://schemas.microsoft.com/office/powerpoint/2010/main" xmlns="" val="1169530885"/>
       </p:ext>
     </p:extLst>
   </p:cSld>
@@ -11385,7 +11716,7 @@
           <p:nvPr>
             <p:extLst>
               <p:ext uri="{D42A27DB-BD31-4B8C-83A1-F6EECF244321}">
-                <p14:modId xmlns:p14="http://schemas.microsoft.com/office/powerpoint/2010/main" val="4104027771"/>
+                <p14:modId xmlns:p14="http://schemas.microsoft.com/office/powerpoint/2010/main" xmlns="" val="4104027771"/>
               </p:ext>
             </p:extLst>
           </p:nvPr>
@@ -11409,7 +11740,7 @@
           <p:nvPr>
             <p:extLst>
               <p:ext uri="{D42A27DB-BD31-4B8C-83A1-F6EECF244321}">
-                <p14:modId xmlns:p14="http://schemas.microsoft.com/office/powerpoint/2010/main" val="1461589990"/>
+                <p14:modId xmlns:p14="http://schemas.microsoft.com/office/powerpoint/2010/main" xmlns="" val="1461589990"/>
               </p:ext>
             </p:extLst>
           </p:nvPr>
@@ -11426,189 +11757,6 @@
       </p:graphicFrame>
       <p:sp>
         <p:nvSpPr>
-          <p:cNvPr id="5" name="Tijdelijke aanduiding voor inhoud 2"/>
-          <p:cNvSpPr txBox="1">
-            <a:spLocks/>
-          </p:cNvSpPr>
-          <p:nvPr/>
-        </p:nvSpPr>
-        <p:spPr>
-          <a:xfrm>
-            <a:off x="576266" y="3606487"/>
-            <a:ext cx="8229600" cy="1828800"/>
-          </a:xfrm>
-          <a:prstGeom prst="rect">
-            <a:avLst/>
-          </a:prstGeom>
-        </p:spPr>
-        <p:txBody>
-          <a:bodyPr vert="horz" lIns="91440" tIns="45720" rIns="91440" bIns="45720" rtlCol="0">
-            <a:normAutofit/>
-          </a:bodyPr>
-          <a:lstStyle>
-            <a:lvl1pPr marL="342900" indent="-342900" algn="l" defTabSz="914400" rtl="0" eaLnBrk="1" latinLnBrk="0" hangingPunct="1">
-              <a:spcBef>
-                <a:spcPct val="20000"/>
-              </a:spcBef>
-              <a:buFont typeface="Arial" panose="020B0604020202020204" pitchFamily="34" charset="0"/>
-              <a:buChar char="•"/>
-              <a:defRPr sz="3200" kern="1200">
-                <a:solidFill>
-                  <a:schemeClr val="tx1"/>
-                </a:solidFill>
-                <a:latin typeface="+mn-lt"/>
-                <a:ea typeface="+mn-ea"/>
-                <a:cs typeface="+mn-cs"/>
-              </a:defRPr>
-            </a:lvl1pPr>
-            <a:lvl2pPr marL="742950" indent="-285750" algn="l" defTabSz="914400" rtl="0" eaLnBrk="1" latinLnBrk="0" hangingPunct="1">
-              <a:spcBef>
-                <a:spcPct val="20000"/>
-              </a:spcBef>
-              <a:buFont typeface="Arial" panose="020B0604020202020204" pitchFamily="34" charset="0"/>
-              <a:buChar char="–"/>
-              <a:defRPr sz="2800" kern="1200">
-                <a:solidFill>
-                  <a:schemeClr val="tx1"/>
-                </a:solidFill>
-                <a:latin typeface="+mn-lt"/>
-                <a:ea typeface="+mn-ea"/>
-                <a:cs typeface="+mn-cs"/>
-              </a:defRPr>
-            </a:lvl2pPr>
-            <a:lvl3pPr marL="1143000" indent="-228600" algn="l" defTabSz="914400" rtl="0" eaLnBrk="1" latinLnBrk="0" hangingPunct="1">
-              <a:spcBef>
-                <a:spcPct val="20000"/>
-              </a:spcBef>
-              <a:buFont typeface="Arial" panose="020B0604020202020204" pitchFamily="34" charset="0"/>
-              <a:buChar char="•"/>
-              <a:defRPr sz="2400" kern="1200">
-                <a:solidFill>
-                  <a:schemeClr val="tx1"/>
-                </a:solidFill>
-                <a:latin typeface="+mn-lt"/>
-                <a:ea typeface="+mn-ea"/>
-                <a:cs typeface="+mn-cs"/>
-              </a:defRPr>
-            </a:lvl3pPr>
-            <a:lvl4pPr marL="1600200" indent="-228600" algn="l" defTabSz="914400" rtl="0" eaLnBrk="1" latinLnBrk="0" hangingPunct="1">
-              <a:spcBef>
-                <a:spcPct val="20000"/>
-              </a:spcBef>
-              <a:buFont typeface="Arial" panose="020B0604020202020204" pitchFamily="34" charset="0"/>
-              <a:buChar char="–"/>
-              <a:defRPr sz="2000" kern="1200">
-                <a:solidFill>
-                  <a:schemeClr val="tx1"/>
-                </a:solidFill>
-                <a:latin typeface="+mn-lt"/>
-                <a:ea typeface="+mn-ea"/>
-                <a:cs typeface="+mn-cs"/>
-              </a:defRPr>
-            </a:lvl4pPr>
-            <a:lvl5pPr marL="2057400" indent="-228600" algn="l" defTabSz="914400" rtl="0" eaLnBrk="1" latinLnBrk="0" hangingPunct="1">
-              <a:spcBef>
-                <a:spcPct val="20000"/>
-              </a:spcBef>
-              <a:buFont typeface="Arial" panose="020B0604020202020204" pitchFamily="34" charset="0"/>
-              <a:buChar char="»"/>
-              <a:defRPr sz="2000" kern="1200">
-                <a:solidFill>
-                  <a:schemeClr val="tx1"/>
-                </a:solidFill>
-                <a:latin typeface="+mn-lt"/>
-                <a:ea typeface="+mn-ea"/>
-                <a:cs typeface="+mn-cs"/>
-              </a:defRPr>
-            </a:lvl5pPr>
-            <a:lvl6pPr marL="2514600" indent="-228600" algn="l" defTabSz="914400" rtl="0" eaLnBrk="1" latinLnBrk="0" hangingPunct="1">
-              <a:spcBef>
-                <a:spcPct val="20000"/>
-              </a:spcBef>
-              <a:buFont typeface="Arial" panose="020B0604020202020204" pitchFamily="34" charset="0"/>
-              <a:buChar char="•"/>
-              <a:defRPr sz="2000" kern="1200">
-                <a:solidFill>
-                  <a:schemeClr val="tx1"/>
-                </a:solidFill>
-                <a:latin typeface="+mn-lt"/>
-                <a:ea typeface="+mn-ea"/>
-                <a:cs typeface="+mn-cs"/>
-              </a:defRPr>
-            </a:lvl6pPr>
-            <a:lvl7pPr marL="2971800" indent="-228600" algn="l" defTabSz="914400" rtl="0" eaLnBrk="1" latinLnBrk="0" hangingPunct="1">
-              <a:spcBef>
-                <a:spcPct val="20000"/>
-              </a:spcBef>
-              <a:buFont typeface="Arial" panose="020B0604020202020204" pitchFamily="34" charset="0"/>
-              <a:buChar char="•"/>
-              <a:defRPr sz="2000" kern="1200">
-                <a:solidFill>
-                  <a:schemeClr val="tx1"/>
-                </a:solidFill>
-                <a:latin typeface="+mn-lt"/>
-                <a:ea typeface="+mn-ea"/>
-                <a:cs typeface="+mn-cs"/>
-              </a:defRPr>
-            </a:lvl7pPr>
-            <a:lvl8pPr marL="3429000" indent="-228600" algn="l" defTabSz="914400" rtl="0" eaLnBrk="1" latinLnBrk="0" hangingPunct="1">
-              <a:spcBef>
-                <a:spcPct val="20000"/>
-              </a:spcBef>
-              <a:buFont typeface="Arial" panose="020B0604020202020204" pitchFamily="34" charset="0"/>
-              <a:buChar char="•"/>
-              <a:defRPr sz="2000" kern="1200">
-                <a:solidFill>
-                  <a:schemeClr val="tx1"/>
-                </a:solidFill>
-                <a:latin typeface="+mn-lt"/>
-                <a:ea typeface="+mn-ea"/>
-                <a:cs typeface="+mn-cs"/>
-              </a:defRPr>
-            </a:lvl8pPr>
-            <a:lvl9pPr marL="3886200" indent="-228600" algn="l" defTabSz="914400" rtl="0" eaLnBrk="1" latinLnBrk="0" hangingPunct="1">
-              <a:spcBef>
-                <a:spcPct val="20000"/>
-              </a:spcBef>
-              <a:buFont typeface="Arial" panose="020B0604020202020204" pitchFamily="34" charset="0"/>
-              <a:buChar char="•"/>
-              <a:defRPr sz="2000" kern="1200">
-                <a:solidFill>
-                  <a:schemeClr val="tx1"/>
-                </a:solidFill>
-                <a:latin typeface="+mn-lt"/>
-                <a:ea typeface="+mn-ea"/>
-                <a:cs typeface="+mn-cs"/>
-              </a:defRPr>
-            </a:lvl9pPr>
-          </a:lstStyle>
-          <a:p>
-            <a:pPr marL="0" indent="0">
-              <a:buNone/>
-            </a:pPr>
-            <a:r>
-              <a:rPr lang="nl-NL" sz="2200" dirty="0" smtClean="0"/>
-              <a:t>Experiment</a:t>
-            </a:r>
-            <a:endParaRPr lang="nl-NL" sz="2200" baseline="30000" dirty="0" smtClean="0"/>
-          </a:p>
-          <a:p>
-            <a:r>
-              <a:rPr lang="nl-NL" sz="2200" dirty="0" smtClean="0"/>
-              <a:t>100 maal herhalen</a:t>
-            </a:r>
-          </a:p>
-          <a:p>
-            <a:r>
-              <a:rPr lang="nl-NL" sz="2200" dirty="0" smtClean="0"/>
-              <a:t>Algoritmes roepen Apache Simplex aan</a:t>
-            </a:r>
-            <a:endParaRPr lang="nl-NL" sz="2200" dirty="0"/>
-          </a:p>
-        </p:txBody>
-      </p:sp>
-      <p:sp>
-        <p:nvSpPr>
           <p:cNvPr id="2" name="Titel 1"/>
           <p:cNvSpPr>
             <a:spLocks noGrp="1"/>
@@ -11644,8 +11792,8 @@
         </p:nvSpPr>
         <p:spPr>
           <a:xfrm>
-            <a:off x="457200" y="1570857"/>
-            <a:ext cx="8229600" cy="1828800"/>
+            <a:off x="683568" y="1570857"/>
+            <a:ext cx="8003232" cy="1828800"/>
           </a:xfrm>
         </p:spPr>
         <p:txBody>
@@ -11681,10 +11829,185 @@
           </a:p>
         </p:txBody>
       </p:sp>
+      <p:sp>
+        <p:nvSpPr>
+          <p:cNvPr id="8" name="Tijdelijke aanduiding voor inhoud 2"/>
+          <p:cNvSpPr txBox="1">
+            <a:spLocks/>
+          </p:cNvSpPr>
+          <p:nvPr/>
+        </p:nvSpPr>
+        <p:spPr bwMode="auto">
+          <a:xfrm>
+            <a:off x="539552" y="3573016"/>
+            <a:ext cx="8003232" cy="776064"/>
+          </a:xfrm>
+          <a:prstGeom prst="rect">
+            <a:avLst/>
+          </a:prstGeom>
+          <a:noFill/>
+          <a:ln>
+            <a:noFill/>
+          </a:ln>
+          <a:extLst>
+            <a:ext uri="{909E8E84-426E-40DD-AFC4-6F175D3DCCD1}">
+              <a14:hiddenFill xmlns:a14="http://schemas.microsoft.com/office/drawing/2010/main" xmlns="">
+                <a:solidFill>
+                  <a:srgbClr val="FFFFFF"/>
+                </a:solidFill>
+              </a14:hiddenFill>
+            </a:ext>
+            <a:ext uri="{91240B29-F687-4F45-9708-019B960494DF}">
+              <a14:hiddenLine xmlns:a14="http://schemas.microsoft.com/office/drawing/2010/main" xmlns="" w="9525">
+                <a:solidFill>
+                  <a:srgbClr val="000000"/>
+                </a:solidFill>
+                <a:miter lim="800000"/>
+                <a:headEnd/>
+                <a:tailEnd/>
+              </a14:hiddenLine>
+            </a:ext>
+          </a:extLst>
+        </p:spPr>
+        <p:txBody>
+          <a:bodyPr vert="horz" wrap="square" lIns="0" tIns="0" rIns="0" bIns="0" numCol="1" anchor="t" anchorCtr="0" compatLnSpc="1">
+            <a:prstTxWarp prst="textNoShape">
+              <a:avLst/>
+            </a:prstTxWarp>
+          </a:bodyPr>
+          <a:lstStyle/>
+          <a:p>
+            <a:pPr marL="195263" marR="0" lvl="0" indent="-195263" algn="l" defTabSz="914400" rtl="0" eaLnBrk="1" fontAlgn="base" latinLnBrk="0" hangingPunct="1">
+              <a:lnSpc>
+                <a:spcPts val="2500"/>
+              </a:lnSpc>
+              <a:spcBef>
+                <a:spcPct val="0"/>
+              </a:spcBef>
+              <a:spcAft>
+                <a:spcPct val="0"/>
+              </a:spcAft>
+              <a:buClr>
+                <a:srgbClr val="00A6D6"/>
+              </a:buClr>
+              <a:buSzTx/>
+              <a:tabLst/>
+              <a:defRPr/>
+            </a:pPr>
+            <a:r>
+              <a:rPr kumimoji="0" lang="nl-NL" sz="2000" b="0" i="0" u="none" strike="noStrike" kern="0" cap="none" spc="0" normalizeH="0" baseline="0" noProof="0" dirty="0" smtClean="0">
+                <a:ln>
+                  <a:noFill/>
+                </a:ln>
+                <a:solidFill>
+                  <a:schemeClr val="tx1"/>
+                </a:solidFill>
+                <a:effectLst/>
+                <a:uLnTx/>
+                <a:uFillTx/>
+                <a:latin typeface="+mn-lt"/>
+                <a:ea typeface="ＭＳ Ｐゴシック" charset="-128"/>
+                <a:cs typeface="ＭＳ Ｐゴシック" charset="-128"/>
+              </a:rPr>
+              <a:t>Experiment</a:t>
+            </a:r>
+          </a:p>
+          <a:p>
+            <a:pPr marL="195263" marR="0" lvl="0" indent="-195263" algn="l" defTabSz="914400" rtl="0" eaLnBrk="1" fontAlgn="base" latinLnBrk="0" hangingPunct="1">
+              <a:lnSpc>
+                <a:spcPts val="2500"/>
+              </a:lnSpc>
+              <a:spcBef>
+                <a:spcPct val="0"/>
+              </a:spcBef>
+              <a:spcAft>
+                <a:spcPct val="0"/>
+              </a:spcAft>
+              <a:buClr>
+                <a:srgbClr val="00A6D6"/>
+              </a:buClr>
+              <a:buSzTx/>
+              <a:buFontTx/>
+              <a:buChar char="•"/>
+              <a:tabLst/>
+              <a:defRPr/>
+            </a:pPr>
+            <a:r>
+              <a:rPr kumimoji="0" lang="nl-NL" sz="2000" b="0" i="0" u="none" strike="noStrike" kern="0" cap="none" spc="0" normalizeH="0" baseline="0" noProof="0" dirty="0" smtClean="0">
+                <a:ln>
+                  <a:noFill/>
+                </a:ln>
+                <a:solidFill>
+                  <a:schemeClr val="tx1"/>
+                </a:solidFill>
+                <a:effectLst/>
+                <a:uLnTx/>
+                <a:uFillTx/>
+                <a:latin typeface="+mn-lt"/>
+                <a:ea typeface="ＭＳ Ｐゴシック" charset="-128"/>
+                <a:cs typeface="ＭＳ Ｐゴシック" charset="-128"/>
+              </a:rPr>
+              <a:t>100 maal herhalen</a:t>
+            </a:r>
+            <a:endParaRPr kumimoji="0" lang="nl-NL" sz="2000" b="0" i="0" u="none" strike="noStrike" kern="0" cap="none" spc="0" normalizeH="0" baseline="30000" noProof="0" dirty="0" smtClean="0">
+              <a:ln>
+                <a:noFill/>
+              </a:ln>
+              <a:solidFill>
+                <a:schemeClr val="tx1"/>
+              </a:solidFill>
+              <a:effectLst/>
+              <a:uLnTx/>
+              <a:uFillTx/>
+              <a:latin typeface="+mn-lt"/>
+              <a:ea typeface="ＭＳ Ｐゴシック" charset="-128"/>
+              <a:cs typeface="ＭＳ Ｐゴシック" charset="-128"/>
+            </a:endParaRPr>
+          </a:p>
+          <a:p>
+            <a:pPr marL="195263" marR="0" lvl="0" indent="-195263" algn="l" defTabSz="914400" rtl="0" eaLnBrk="1" fontAlgn="base" latinLnBrk="0" hangingPunct="1">
+              <a:lnSpc>
+                <a:spcPts val="2500"/>
+              </a:lnSpc>
+              <a:spcBef>
+                <a:spcPct val="0"/>
+              </a:spcBef>
+              <a:spcAft>
+                <a:spcPct val="0"/>
+              </a:spcAft>
+              <a:buClr>
+                <a:srgbClr val="00A6D6"/>
+              </a:buClr>
+              <a:buSzTx/>
+              <a:buFontTx/>
+              <a:buChar char="•"/>
+              <a:tabLst/>
+              <a:defRPr/>
+            </a:pPr>
+            <a:r>
+              <a:rPr kumimoji="0" lang="nl-NL" sz="2000" b="0" i="0" u="none" strike="noStrike" kern="0" cap="none" spc="0" normalizeH="0" baseline="0" noProof="0" dirty="0" smtClean="0">
+                <a:ln>
+                  <a:noFill/>
+                </a:ln>
+                <a:solidFill>
+                  <a:schemeClr val="tx1"/>
+                </a:solidFill>
+                <a:effectLst/>
+                <a:uLnTx/>
+                <a:uFillTx/>
+                <a:latin typeface="+mn-lt"/>
+                <a:ea typeface="ＭＳ Ｐゴシック" charset="-128"/>
+                <a:cs typeface="ＭＳ Ｐゴシック" charset="-128"/>
+              </a:rPr>
+              <a:t>Algoritmes roepen Apache Simplex aan</a:t>
+            </a:r>
+          </a:p>
+        </p:txBody>
+      </p:sp>
     </p:spTree>
     <p:extLst>
       <p:ext uri="{BB962C8B-B14F-4D97-AF65-F5344CB8AC3E}">
-        <p14:creationId xmlns:p14="http://schemas.microsoft.com/office/powerpoint/2010/main" val="1928846212"/>
+        <p14:creationId xmlns:p14="http://schemas.microsoft.com/office/powerpoint/2010/main" xmlns="" val="1928846212"/>
       </p:ext>
     </p:extLst>
   </p:cSld>
@@ -11826,7 +12149,7 @@
                             </p:stCondLst>
                             <p:childTnLst>
                               <p:par>
-                                <p:cTn id="13" presetID="10" presetClass="entr" presetSubtype="0" fill="hold" grpId="1" nodeType="clickEffect">
+                                <p:cTn id="13" presetID="1" presetClass="entr" presetSubtype="0" fill="hold" grpId="1" nodeType="clickEffect">
                                   <p:stCondLst>
                                     <p:cond delay="0"/>
                                   </p:stCondLst>
@@ -11839,7 +12162,11 @@
                                           </p:stCondLst>
                                         </p:cTn>
                                         <p:tgtEl>
-                                          <p:spTgt spid="5"/>
+                                          <p:spTgt spid="8">
+                                            <p:txEl>
+                                              <p:pRg st="0" end="0"/>
+                                            </p:txEl>
+                                          </p:spTgt>
                                         </p:tgtEl>
                                         <p:attrNameLst>
                                           <p:attrName>style.visibility</p:attrName>
@@ -11849,14 +12176,68 @@
                                         <p:strVal val="visible"/>
                                       </p:to>
                                     </p:set>
-                                    <p:animEffect transition="in" filter="fade">
+                                  </p:childTnLst>
+                                </p:cTn>
+                              </p:par>
+                              <p:par>
+                                <p:cTn id="15" presetID="1" presetClass="entr" presetSubtype="0" fill="hold" grpId="1" nodeType="withEffect">
+                                  <p:stCondLst>
+                                    <p:cond delay="0"/>
+                                  </p:stCondLst>
+                                  <p:childTnLst>
+                                    <p:set>
                                       <p:cBhvr>
-                                        <p:cTn id="15" dur="500"/>
+                                        <p:cTn id="16" dur="1" fill="hold">
+                                          <p:stCondLst>
+                                            <p:cond delay="0"/>
+                                          </p:stCondLst>
+                                        </p:cTn>
                                         <p:tgtEl>
-                                          <p:spTgt spid="5"/>
+                                          <p:spTgt spid="8">
+                                            <p:txEl>
+                                              <p:pRg st="1" end="1"/>
+                                            </p:txEl>
+                                          </p:spTgt>
                                         </p:tgtEl>
+                                        <p:attrNameLst>
+                                          <p:attrName>style.visibility</p:attrName>
+                                        </p:attrNameLst>
                                       </p:cBhvr>
-                                    </p:animEffect>
+                                      <p:to>
+                                        <p:strVal val="visible"/>
+                                      </p:to>
+                                    </p:set>
+                                  </p:childTnLst>
+                                </p:cTn>
+                              </p:par>
+                              <p:par>
+                                <p:cTn id="17" presetID="1" presetClass="entr" presetSubtype="0" fill="hold" grpId="1" nodeType="withEffect">
+                                  <p:stCondLst>
+                                    <p:cond delay="0"/>
+                                  </p:stCondLst>
+                                  <p:childTnLst>
+                                    <p:set>
+                                      <p:cBhvr>
+                                        <p:cTn id="18" dur="1" fill="hold">
+                                          <p:stCondLst>
+                                            <p:cond delay="0"/>
+                                          </p:stCondLst>
+                                        </p:cTn>
+                                        <p:tgtEl>
+                                          <p:spTgt spid="8">
+                                            <p:txEl>
+                                              <p:pRg st="2" end="2"/>
+                                            </p:txEl>
+                                          </p:spTgt>
+                                        </p:tgtEl>
+                                        <p:attrNameLst>
+                                          <p:attrName>style.visibility</p:attrName>
+                                        </p:attrNameLst>
+                                      </p:cBhvr>
+                                      <p:to>
+                                        <p:strVal val="visible"/>
+                                      </p:to>
+                                    </p:set>
                                   </p:childTnLst>
                                 </p:cTn>
                               </p:par>
@@ -11867,62 +12248,19 @@
                     </p:cTn>
                   </p:par>
                   <p:par>
-                    <p:cTn id="16" fill="hold">
+                    <p:cTn id="19" fill="hold">
                       <p:stCondLst>
                         <p:cond delay="indefinite"/>
                       </p:stCondLst>
                       <p:childTnLst>
                         <p:par>
-                          <p:cTn id="17" fill="hold">
+                          <p:cTn id="20" fill="hold">
                             <p:stCondLst>
                               <p:cond delay="0"/>
                             </p:stCondLst>
                             <p:childTnLst>
                               <p:par>
-                                <p:cTn id="18" presetID="10" presetClass="exit" presetSubtype="0" fill="hold" grpId="0" nodeType="clickEffect">
-                                  <p:stCondLst>
-                                    <p:cond delay="0"/>
-                                  </p:stCondLst>
-                                  <p:childTnLst>
-                                    <p:animEffect transition="out" filter="fade">
-                                      <p:cBhvr>
-                                        <p:cTn id="19" dur="500"/>
-                                        <p:tgtEl>
-                                          <p:spTgt spid="3">
-                                            <p:txEl>
-                                              <p:pRg st="0" end="0"/>
-                                            </p:txEl>
-                                          </p:spTgt>
-                                        </p:tgtEl>
-                                      </p:cBhvr>
-                                    </p:animEffect>
-                                    <p:set>
-                                      <p:cBhvr>
-                                        <p:cTn id="20" dur="1" fill="hold">
-                                          <p:stCondLst>
-                                            <p:cond delay="499"/>
-                                          </p:stCondLst>
-                                        </p:cTn>
-                                        <p:tgtEl>
-                                          <p:spTgt spid="3">
-                                            <p:txEl>
-                                              <p:pRg st="0" end="0"/>
-                                            </p:txEl>
-                                          </p:spTgt>
-                                        </p:tgtEl>
-                                        <p:attrNameLst>
-                                          <p:attrName>style.visibility</p:attrName>
-                                        </p:attrNameLst>
-                                      </p:cBhvr>
-                                      <p:to>
-                                        <p:strVal val="hidden"/>
-                                      </p:to>
-                                    </p:set>
-                                  </p:childTnLst>
-                                </p:cTn>
-                              </p:par>
-                              <p:par>
-                                <p:cTn id="21" presetID="10" presetClass="exit" presetSubtype="0" fill="hold" grpId="0" nodeType="withEffect">
+                                <p:cTn id="21" presetID="10" presetClass="exit" presetSubtype="0" fill="hold" grpId="0" nodeType="clickEffect">
                                   <p:stCondLst>
                                     <p:cond delay="0"/>
                                   </p:stCondLst>
@@ -11931,9 +12269,9 @@
                                       <p:cBhvr>
                                         <p:cTn id="22" dur="500"/>
                                         <p:tgtEl>
-                                          <p:spTgt spid="3">
+                                          <p:spTgt spid="8">
                                             <p:txEl>
-                                              <p:pRg st="1" end="1"/>
+                                              <p:pRg st="0" end="0"/>
                                             </p:txEl>
                                           </p:spTgt>
                                         </p:tgtEl>
@@ -11947,9 +12285,9 @@
                                           </p:stCondLst>
                                         </p:cTn>
                                         <p:tgtEl>
-                                          <p:spTgt spid="3">
+                                          <p:spTgt spid="8">
                                             <p:txEl>
-                                              <p:pRg st="1" end="1"/>
+                                              <p:pRg st="0" end="0"/>
                                             </p:txEl>
                                           </p:spTgt>
                                         </p:tgtEl>
@@ -11974,9 +12312,9 @@
                                       <p:cBhvr>
                                         <p:cTn id="25" dur="500"/>
                                         <p:tgtEl>
-                                          <p:spTgt spid="3">
+                                          <p:spTgt spid="8">
                                             <p:txEl>
-                                              <p:pRg st="2" end="2"/>
+                                              <p:pRg st="1" end="1"/>
                                             </p:txEl>
                                           </p:spTgt>
                                         </p:tgtEl>
@@ -11990,9 +12328,9 @@
                                           </p:stCondLst>
                                         </p:cTn>
                                         <p:tgtEl>
-                                          <p:spTgt spid="3">
+                                          <p:spTgt spid="8">
                                             <p:txEl>
-                                              <p:pRg st="2" end="2"/>
+                                              <p:pRg st="1" end="1"/>
                                             </p:txEl>
                                           </p:spTgt>
                                         </p:tgtEl>
@@ -12017,7 +12355,11 @@
                                       <p:cBhvr>
                                         <p:cTn id="28" dur="500"/>
                                         <p:tgtEl>
-                                          <p:spTgt spid="5"/>
+                                          <p:spTgt spid="8">
+                                            <p:txEl>
+                                              <p:pRg st="2" end="2"/>
+                                            </p:txEl>
+                                          </p:spTgt>
                                         </p:tgtEl>
                                       </p:cBhvr>
                                     </p:animEffect>
@@ -12029,7 +12371,140 @@
                                           </p:stCondLst>
                                         </p:cTn>
                                         <p:tgtEl>
-                                          <p:spTgt spid="5"/>
+                                          <p:spTgt spid="8">
+                                            <p:txEl>
+                                              <p:pRg st="2" end="2"/>
+                                            </p:txEl>
+                                          </p:spTgt>
+                                        </p:tgtEl>
+                                        <p:attrNameLst>
+                                          <p:attrName>style.visibility</p:attrName>
+                                        </p:attrNameLst>
+                                      </p:cBhvr>
+                                      <p:to>
+                                        <p:strVal val="hidden"/>
+                                      </p:to>
+                                    </p:set>
+                                  </p:childTnLst>
+                                </p:cTn>
+                              </p:par>
+                              <p:par>
+                                <p:cTn id="30" presetID="10" presetClass="exit" presetSubtype="0" fill="hold" grpId="0" nodeType="withEffect">
+                                  <p:stCondLst>
+                                    <p:cond delay="0"/>
+                                  </p:stCondLst>
+                                  <p:childTnLst>
+                                    <p:animEffect transition="out" filter="fade">
+                                      <p:cBhvr>
+                                        <p:cTn id="31" dur="500"/>
+                                        <p:tgtEl>
+                                          <p:spTgt spid="3">
+                                            <p:txEl>
+                                              <p:pRg st="0" end="0"/>
+                                            </p:txEl>
+                                          </p:spTgt>
+                                        </p:tgtEl>
+                                      </p:cBhvr>
+                                    </p:animEffect>
+                                    <p:set>
+                                      <p:cBhvr>
+                                        <p:cTn id="32" dur="1" fill="hold">
+                                          <p:stCondLst>
+                                            <p:cond delay="499"/>
+                                          </p:stCondLst>
+                                        </p:cTn>
+                                        <p:tgtEl>
+                                          <p:spTgt spid="3">
+                                            <p:txEl>
+                                              <p:pRg st="0" end="0"/>
+                                            </p:txEl>
+                                          </p:spTgt>
+                                        </p:tgtEl>
+                                        <p:attrNameLst>
+                                          <p:attrName>style.visibility</p:attrName>
+                                        </p:attrNameLst>
+                                      </p:cBhvr>
+                                      <p:to>
+                                        <p:strVal val="hidden"/>
+                                      </p:to>
+                                    </p:set>
+                                  </p:childTnLst>
+                                </p:cTn>
+                              </p:par>
+                              <p:par>
+                                <p:cTn id="33" presetID="10" presetClass="exit" presetSubtype="0" fill="hold" grpId="0" nodeType="withEffect">
+                                  <p:stCondLst>
+                                    <p:cond delay="0"/>
+                                  </p:stCondLst>
+                                  <p:childTnLst>
+                                    <p:animEffect transition="out" filter="fade">
+                                      <p:cBhvr>
+                                        <p:cTn id="34" dur="500"/>
+                                        <p:tgtEl>
+                                          <p:spTgt spid="3">
+                                            <p:txEl>
+                                              <p:pRg st="1" end="1"/>
+                                            </p:txEl>
+                                          </p:spTgt>
+                                        </p:tgtEl>
+                                      </p:cBhvr>
+                                    </p:animEffect>
+                                    <p:set>
+                                      <p:cBhvr>
+                                        <p:cTn id="35" dur="1" fill="hold">
+                                          <p:stCondLst>
+                                            <p:cond delay="499"/>
+                                          </p:stCondLst>
+                                        </p:cTn>
+                                        <p:tgtEl>
+                                          <p:spTgt spid="3">
+                                            <p:txEl>
+                                              <p:pRg st="1" end="1"/>
+                                            </p:txEl>
+                                          </p:spTgt>
+                                        </p:tgtEl>
+                                        <p:attrNameLst>
+                                          <p:attrName>style.visibility</p:attrName>
+                                        </p:attrNameLst>
+                                      </p:cBhvr>
+                                      <p:to>
+                                        <p:strVal val="hidden"/>
+                                      </p:to>
+                                    </p:set>
+                                  </p:childTnLst>
+                                </p:cTn>
+                              </p:par>
+                              <p:par>
+                                <p:cTn id="36" presetID="10" presetClass="exit" presetSubtype="0" fill="hold" grpId="0" nodeType="withEffect">
+                                  <p:stCondLst>
+                                    <p:cond delay="0"/>
+                                  </p:stCondLst>
+                                  <p:childTnLst>
+                                    <p:animEffect transition="out" filter="fade">
+                                      <p:cBhvr>
+                                        <p:cTn id="37" dur="500"/>
+                                        <p:tgtEl>
+                                          <p:spTgt spid="3">
+                                            <p:txEl>
+                                              <p:pRg st="2" end="2"/>
+                                            </p:txEl>
+                                          </p:spTgt>
+                                        </p:tgtEl>
+                                      </p:cBhvr>
+                                    </p:animEffect>
+                                    <p:set>
+                                      <p:cBhvr>
+                                        <p:cTn id="38" dur="1" fill="hold">
+                                          <p:stCondLst>
+                                            <p:cond delay="499"/>
+                                          </p:stCondLst>
+                                        </p:cTn>
+                                        <p:tgtEl>
+                                          <p:spTgt spid="3">
+                                            <p:txEl>
+                                              <p:pRg st="2" end="2"/>
+                                            </p:txEl>
+                                          </p:spTgt>
                                         </p:tgtEl>
                                         <p:attrNameLst>
                                           <p:attrName>style.visibility</p:attrName>
@@ -12046,20 +12521,20 @@
                           </p:cTn>
                         </p:par>
                         <p:par>
-                          <p:cTn id="30" fill="hold">
+                          <p:cTn id="39" fill="hold">
                             <p:stCondLst>
                               <p:cond delay="500"/>
                             </p:stCondLst>
                             <p:childTnLst>
                               <p:par>
-                                <p:cTn id="31" presetID="10" presetClass="entr" presetSubtype="0" fill="hold" grpId="0" nodeType="afterEffect">
+                                <p:cTn id="40" presetID="10" presetClass="entr" presetSubtype="0" fill="hold" grpId="0" nodeType="afterEffect">
                                   <p:stCondLst>
                                     <p:cond delay="0"/>
                                   </p:stCondLst>
                                   <p:childTnLst>
                                     <p:set>
                                       <p:cBhvr>
-                                        <p:cTn id="32" dur="1" fill="hold">
+                                        <p:cTn id="41" dur="1" fill="hold">
                                           <p:stCondLst>
                                             <p:cond delay="0"/>
                                           </p:stCondLst>
@@ -12077,7 +12552,7 @@
                                     </p:set>
                                     <p:animEffect transition="in" filter="fade">
                                       <p:cBhvr>
-                                        <p:cTn id="33" dur="500"/>
+                                        <p:cTn id="42" dur="500"/>
                                         <p:tgtEl>
                                           <p:spTgt spid="10"/>
                                         </p:tgtEl>
@@ -12093,26 +12568,26 @@
                     </p:cTn>
                   </p:par>
                   <p:par>
-                    <p:cTn id="34" fill="hold">
+                    <p:cTn id="43" fill="hold">
                       <p:stCondLst>
                         <p:cond delay="indefinite"/>
                       </p:stCondLst>
                       <p:childTnLst>
                         <p:par>
-                          <p:cTn id="35" fill="hold">
+                          <p:cTn id="44" fill="hold">
                             <p:stCondLst>
                               <p:cond delay="0"/>
                             </p:stCondLst>
                             <p:childTnLst>
                               <p:par>
-                                <p:cTn id="36" presetID="10" presetClass="exit" presetSubtype="0" fill="hold" grpId="1" nodeType="clickEffect">
+                                <p:cTn id="45" presetID="10" presetClass="exit" presetSubtype="0" fill="hold" grpId="1" nodeType="clickEffect">
                                   <p:stCondLst>
                                     <p:cond delay="0"/>
                                   </p:stCondLst>
                                   <p:childTnLst>
                                     <p:animEffect transition="out" filter="fade">
                                       <p:cBhvr>
-                                        <p:cTn id="37" dur="500"/>
+                                        <p:cTn id="46" dur="500"/>
                                         <p:tgtEl>
                                           <p:spTgt spid="10"/>
                                         </p:tgtEl>
@@ -12120,7 +12595,7 @@
                                     </p:animEffect>
                                     <p:set>
                                       <p:cBhvr>
-                                        <p:cTn id="38" dur="1" fill="hold">
+                                        <p:cTn id="47" dur="1" fill="hold">
                                           <p:stCondLst>
                                             <p:cond delay="499"/>
                                           </p:stCondLst>
@@ -12140,14 +12615,14 @@
                                 </p:cTn>
                               </p:par>
                               <p:par>
-                                <p:cTn id="39" presetID="10" presetClass="entr" presetSubtype="0" fill="hold" grpId="0" nodeType="withEffect">
+                                <p:cTn id="48" presetID="10" presetClass="entr" presetSubtype="0" fill="hold" grpId="0" nodeType="withEffect">
                                   <p:stCondLst>
                                     <p:cond delay="0"/>
                                   </p:stCondLst>
                                   <p:childTnLst>
                                     <p:set>
                                       <p:cBhvr>
-                                        <p:cTn id="40" dur="1" fill="hold">
+                                        <p:cTn id="49" dur="1" fill="hold">
                                           <p:stCondLst>
                                             <p:cond delay="0"/>
                                           </p:stCondLst>
@@ -12165,7 +12640,7 @@
                                     </p:set>
                                     <p:animEffect transition="in" filter="fade">
                                       <p:cBhvr>
-                                        <p:cTn id="41" dur="500"/>
+                                        <p:cTn id="50" dur="500"/>
                                         <p:tgtEl>
                                           <p:spTgt spid="9"/>
                                         </p:tgtEl>
@@ -12211,10 +12686,10 @@
       <p:bldGraphic spid="9" grpId="0">
         <p:bldAsOne/>
       </p:bldGraphic>
-      <p:bldP spid="5" grpId="0"/>
-      <p:bldP spid="5" grpId="1"/>
       <p:bldP spid="3" grpId="0" uiExpand="1" build="allAtOnce"/>
       <p:bldP spid="3" grpId="1" build="allAtOnce"/>
+      <p:bldP spid="8" grpId="0" uiExpand="1" build="allAtOnce"/>
+      <p:bldP spid="8" grpId="1" uiExpand="1" build="allAtOnce"/>
     </p:bldLst>
   </p:timing>
 </p:sld>
